--- a/React/React.pptx
+++ b/React/React.pptx
@@ -312,7 +312,7 @@
             <a:fld id="{9A627CD6-EC2A-474E-95EA-B4A55857AC2C}" type="datetimeFigureOut">
               <a:rPr lang="en-US" smtClean="0"/>
               <a:pPr/>
-              <a:t>6/29/2021</a:t>
+              <a:t>7/1/2021</a:t>
             </a:fld>
             <a:endParaRPr lang="en-US"/>
           </a:p>
@@ -475,7 +475,7 @@
             <a:fld id="{5E662A1C-3158-4CF5-80A3-D7B8F58EE8AA}" type="datetimeFigureOut">
               <a:rPr lang="en-US" smtClean="0"/>
               <a:pPr/>
-              <a:t>6/29/2021</a:t>
+              <a:t>7/1/2021</a:t>
             </a:fld>
             <a:endParaRPr lang="en-US"/>
           </a:p>
@@ -916,7 +916,7 @@
             <a:fld id="{C5DC3856-2194-4DDC-B53C-251B5B8D1C64}" type="datetime1">
               <a:rPr lang="en-US" smtClean="0"/>
               <a:pPr/>
-              <a:t>6/29/2021</a:t>
+              <a:t>7/1/2021</a:t>
             </a:fld>
             <a:endParaRPr lang="en-US"/>
           </a:p>
@@ -1087,7 +1087,7 @@
             <a:fld id="{33DC2ABF-A47C-4F08-BC23-5F93F8CA5CE5}" type="datetime1">
               <a:rPr lang="en-US" smtClean="0"/>
               <a:pPr/>
-              <a:t>6/29/2021</a:t>
+              <a:t>7/1/2021</a:t>
             </a:fld>
             <a:endParaRPr lang="en-US"/>
           </a:p>
@@ -1268,7 +1268,7 @@
             <a:fld id="{79DFEDA8-C774-41B9-AAE4-E07793AF960B}" type="datetime1">
               <a:rPr lang="en-US" smtClean="0"/>
               <a:pPr/>
-              <a:t>6/29/2021</a:t>
+              <a:t>7/1/2021</a:t>
             </a:fld>
             <a:endParaRPr lang="en-US"/>
           </a:p>
@@ -1439,7 +1439,7 @@
             <a:fld id="{F00C3F03-67BC-4763-95DB-3F9D3CF37960}" type="datetime1">
               <a:rPr lang="en-US" smtClean="0"/>
               <a:pPr/>
-              <a:t>6/29/2021</a:t>
+              <a:t>7/1/2021</a:t>
             </a:fld>
             <a:endParaRPr lang="en-US"/>
           </a:p>
@@ -1687,7 +1687,7 @@
             <a:fld id="{D4B333FC-B8EF-43AC-87C2-8511FC7EAD61}" type="datetime1">
               <a:rPr lang="en-US" smtClean="0"/>
               <a:pPr/>
-              <a:t>6/29/2021</a:t>
+              <a:t>7/1/2021</a:t>
             </a:fld>
             <a:endParaRPr lang="en-US"/>
           </a:p>
@@ -1957,7 +1957,7 @@
             <a:fld id="{EE0A9791-C0D7-4976-A77F-B80E7832CD6A}" type="datetime1">
               <a:rPr lang="en-US" smtClean="0"/>
               <a:pPr/>
-              <a:t>6/29/2021</a:t>
+              <a:t>7/1/2021</a:t>
             </a:fld>
             <a:endParaRPr lang="en-US"/>
           </a:p>
@@ -2341,7 +2341,7 @@
             <a:fld id="{50C4D741-94E6-4E34-A25E-92D71FA5E540}" type="datetime1">
               <a:rPr lang="en-US" smtClean="0"/>
               <a:pPr/>
-              <a:t>6/29/2021</a:t>
+              <a:t>7/1/2021</a:t>
             </a:fld>
             <a:endParaRPr lang="en-US"/>
           </a:p>
@@ -2497,7 +2497,7 @@
             <a:fld id="{14D3C212-C7B8-453A-81B4-09008679334E}" type="datetime1">
               <a:rPr lang="en-US" smtClean="0"/>
               <a:pPr/>
-              <a:t>6/29/2021</a:t>
+              <a:t>7/1/2021</a:t>
             </a:fld>
             <a:endParaRPr lang="en-US"/>
           </a:p>
@@ -2593,7 +2593,7 @@
             <a:fld id="{C63E832B-B805-4B10-8072-2B9DC1240A78}" type="datetime1">
               <a:rPr lang="en-US" smtClean="0"/>
               <a:pPr/>
-              <a:t>6/29/2021</a:t>
+              <a:t>7/1/2021</a:t>
             </a:fld>
             <a:endParaRPr lang="en-US"/>
           </a:p>
@@ -2860,7 +2860,7 @@
             <a:fld id="{AF8F3403-7B1B-4476-B6C3-5CACF95E0B89}" type="datetime1">
               <a:rPr lang="en-US" smtClean="0"/>
               <a:pPr/>
-              <a:t>6/29/2021</a:t>
+              <a:t>7/1/2021</a:t>
             </a:fld>
             <a:endParaRPr lang="en-US"/>
           </a:p>
@@ -3154,7 +3154,7 @@
             <a:fld id="{995CAD4D-F660-4466-9DF1-C29EF88288F2}" type="datetime1">
               <a:rPr lang="en-US" smtClean="0"/>
               <a:pPr/>
-              <a:t>6/29/2021</a:t>
+              <a:t>7/1/2021</a:t>
             </a:fld>
             <a:endParaRPr lang="en-US"/>
           </a:p>
@@ -3931,7 +3931,7 @@
             <a:fld id="{D3F0E40F-773E-4E4E-A923-412D44C2F21F}" type="datetime1">
               <a:rPr lang="en-US" smtClean="0"/>
               <a:pPr/>
-              <a:t>6/29/2021</a:t>
+              <a:t>7/1/2021</a:t>
             </a:fld>
             <a:endParaRPr lang="en-US"/>
           </a:p>
@@ -11109,6 +11109,10 @@
             <a:pPr algn="l"/>
             <a:r>
               <a:rPr lang="en-US" sz="3600" dirty="0" smtClean="0"/>
+              <a:t>Fetch data from server</a:t>
+            </a:r>
+            <a:r>
+              <a:rPr lang="en-US" sz="3600" dirty="0" smtClean="0"/>
               <a:t/>
             </a:r>
             <a:br>
@@ -11136,12 +11140,1391 @@
         </p:spPr>
         <p:txBody>
           <a:bodyPr>
-            <a:normAutofit/>
+            <a:noAutofit/>
           </a:bodyPr>
           <a:lstStyle/>
           <a:p>
             <a:pPr algn="l"/>
-            <a:endParaRPr lang="en-US" sz="1600" dirty="0">
+            <a:r>
+              <a:rPr lang="en-US" sz="1800" dirty="0" smtClean="0"/>
+              <a:t>import React, { Component, Fragment } from 'react';</a:t>
+            </a:r>
+          </a:p>
+          <a:p>
+            <a:pPr algn="l"/>
+            <a:r>
+              <a:rPr lang="en-US" sz="1800" dirty="0" smtClean="0"/>
+              <a:t>import styles from './</a:t>
+            </a:r>
+            <a:r>
+              <a:rPr lang="en-US" sz="1800" dirty="0" err="1" smtClean="0"/>
+              <a:t>fetch.module.css</a:t>
+            </a:r>
+            <a:r>
+              <a:rPr lang="en-US" sz="1800" dirty="0" smtClean="0"/>
+              <a:t>';</a:t>
+            </a:r>
+          </a:p>
+          <a:p>
+            <a:pPr algn="l"/>
+            <a:r>
+              <a:rPr lang="en-US" sz="1800" dirty="0" smtClean="0"/>
+              <a:t/>
+            </a:r>
+            <a:br>
+              <a:rPr lang="en-US" sz="1800" dirty="0" smtClean="0"/>
+            </a:br>
+            <a:r>
+              <a:rPr lang="en-US" sz="1800" dirty="0" smtClean="0"/>
+              <a:t>const API = </a:t>
+            </a:r>
+            <a:r>
+              <a:rPr lang="en-US" sz="1800" dirty="0" err="1" smtClean="0"/>
+              <a:t>process.env.REACT_APP_API</a:t>
+            </a:r>
+            <a:r>
+              <a:rPr lang="en-US" sz="1800" dirty="0" smtClean="0"/>
+              <a:t> || 'http://localhost:8080/rest';</a:t>
+            </a:r>
+          </a:p>
+          <a:p>
+            <a:pPr algn="l"/>
+            <a:r>
+              <a:rPr lang="en-US" sz="1800" dirty="0" smtClean="0"/>
+              <a:t/>
+            </a:r>
+            <a:br>
+              <a:rPr lang="en-US" sz="1800" dirty="0" smtClean="0"/>
+            </a:br>
+            <a:r>
+              <a:rPr lang="en-US" sz="1800" dirty="0" smtClean="0"/>
+              <a:t/>
+            </a:r>
+            <a:br>
+              <a:rPr lang="en-US" sz="1800" dirty="0" smtClean="0"/>
+            </a:br>
+            <a:r>
+              <a:rPr lang="en-US" sz="1800" dirty="0" smtClean="0"/>
+              <a:t>class </a:t>
+            </a:r>
+            <a:r>
+              <a:rPr lang="en-US" sz="1800" dirty="0" err="1" smtClean="0"/>
+              <a:t>EmpFetch</a:t>
+            </a:r>
+            <a:r>
+              <a:rPr lang="en-US" sz="1800" dirty="0" smtClean="0"/>
+              <a:t> extends Component {</a:t>
+            </a:r>
+          </a:p>
+          <a:p>
+            <a:pPr algn="l"/>
+            <a:r>
+              <a:rPr lang="en-US" sz="1800" dirty="0" smtClean="0"/>
+              <a:t>  state = {</a:t>
+            </a:r>
+          </a:p>
+          <a:p>
+            <a:pPr algn="l"/>
+            <a:r>
+              <a:rPr lang="en-US" sz="1800" dirty="0" smtClean="0"/>
+              <a:t>    loading: true,</a:t>
+            </a:r>
+          </a:p>
+          <a:p>
+            <a:pPr algn="l"/>
+            <a:r>
+              <a:rPr lang="en-US" sz="1800" dirty="0" smtClean="0"/>
+              <a:t>    </a:t>
+            </a:r>
+            <a:r>
+              <a:rPr lang="en-US" sz="1800" dirty="0" err="1" smtClean="0"/>
+              <a:t>emps</a:t>
+            </a:r>
+            <a:r>
+              <a:rPr lang="en-US" sz="1800" dirty="0" smtClean="0"/>
+              <a:t>: [],</a:t>
+            </a:r>
+          </a:p>
+          <a:p>
+            <a:pPr algn="l"/>
+            <a:r>
+              <a:rPr lang="en-US" sz="1800" dirty="0" smtClean="0"/>
+              <a:t>    error: null,</a:t>
+            </a:r>
+          </a:p>
+          <a:p>
+            <a:pPr algn="l"/>
+            <a:r>
+              <a:rPr lang="en-US" sz="1800" dirty="0" smtClean="0"/>
+              <a:t>  };</a:t>
+            </a:r>
+          </a:p>
+          <a:p>
+            <a:pPr algn="l"/>
+            <a:r>
+              <a:rPr lang="en-US" sz="1800" dirty="0" smtClean="0"/>
+              <a:t/>
+            </a:r>
+            <a:br>
+              <a:rPr lang="en-US" sz="1800" dirty="0" smtClean="0"/>
+            </a:br>
+            <a:r>
+              <a:rPr lang="en-US" sz="1800" dirty="0" smtClean="0"/>
+              <a:t>  </a:t>
+            </a:r>
+            <a:r>
+              <a:rPr lang="en-US" sz="1800" dirty="0" err="1" smtClean="0"/>
+              <a:t>componentDidMount</a:t>
+            </a:r>
+            <a:r>
+              <a:rPr lang="en-US" sz="1800" dirty="0" smtClean="0"/>
+              <a:t>() {</a:t>
+            </a:r>
+          </a:p>
+          <a:p>
+            <a:pPr algn="l"/>
+            <a:r>
+              <a:rPr lang="en-US" sz="1800" dirty="0" smtClean="0"/>
+              <a:t>    let employees = </a:t>
+            </a:r>
+            <a:r>
+              <a:rPr lang="en-US" sz="1800" dirty="0" err="1" smtClean="0"/>
+              <a:t>this.getEmployees</a:t>
+            </a:r>
+            <a:r>
+              <a:rPr lang="en-US" sz="1800" dirty="0" smtClean="0"/>
+              <a:t>();</a:t>
+            </a:r>
+          </a:p>
+          <a:p>
+            <a:pPr algn="l"/>
+            <a:r>
+              <a:rPr lang="en-US" sz="1800" dirty="0" smtClean="0"/>
+              <a:t>    console.log(</a:t>
+            </a:r>
+            <a:r>
+              <a:rPr lang="en-US" sz="1800" dirty="0" err="1" smtClean="0"/>
+              <a:t>this.state.emps</a:t>
+            </a:r>
+            <a:r>
+              <a:rPr lang="en-US" sz="1800" dirty="0" smtClean="0"/>
+              <a:t>);</a:t>
+            </a:r>
+          </a:p>
+          <a:p>
+            <a:pPr algn="l"/>
+            <a:r>
+              <a:rPr lang="en-US" sz="1800" dirty="0" smtClean="0"/>
+              <a:t>  }</a:t>
+            </a:r>
+          </a:p>
+          <a:p>
+            <a:pPr algn="l"/>
+            <a:r>
+              <a:rPr lang="en-US" sz="1800" dirty="0" smtClean="0"/>
+              <a:t/>
+            </a:r>
+            <a:br>
+              <a:rPr lang="en-US" sz="1800" dirty="0" smtClean="0"/>
+            </a:br>
+            <a:r>
+              <a:rPr lang="en-US" sz="1800" dirty="0" smtClean="0"/>
+              <a:t>  </a:t>
+            </a:r>
+            <a:r>
+              <a:rPr lang="en-US" sz="1800" dirty="0" err="1" smtClean="0"/>
+              <a:t>async</a:t>
+            </a:r>
+            <a:r>
+              <a:rPr lang="en-US" sz="1800" dirty="0" smtClean="0"/>
+              <a:t> fetch(method, endpoint, body) {</a:t>
+            </a:r>
+          </a:p>
+          <a:p>
+            <a:pPr algn="l"/>
+            <a:r>
+              <a:rPr lang="en-US" sz="1800" dirty="0" smtClean="0"/>
+              <a:t>    try {</a:t>
+            </a:r>
+          </a:p>
+          <a:p>
+            <a:pPr algn="l"/>
+            <a:r>
+              <a:rPr lang="en-US" sz="1800" dirty="0" smtClean="0"/>
+              <a:t>      const response = await fetch(`${API}${endpoint}`, {</a:t>
+            </a:r>
+          </a:p>
+          <a:p>
+            <a:pPr algn="l"/>
+            <a:r>
+              <a:rPr lang="en-US" sz="1800" dirty="0" smtClean="0"/>
+              <a:t>        method,</a:t>
+            </a:r>
+          </a:p>
+          <a:p>
+            <a:pPr algn="l"/>
+            <a:r>
+              <a:rPr lang="en-US" sz="1800" dirty="0" smtClean="0"/>
+              <a:t>        body: body &amp;&amp; </a:t>
+            </a:r>
+            <a:r>
+              <a:rPr lang="en-US" sz="1800" dirty="0" err="1" smtClean="0"/>
+              <a:t>JSON.stringify</a:t>
+            </a:r>
+            <a:r>
+              <a:rPr lang="en-US" sz="1800" dirty="0" smtClean="0"/>
+              <a:t>(body),</a:t>
+            </a:r>
+          </a:p>
+          <a:p>
+            <a:pPr algn="l"/>
+            <a:r>
+              <a:rPr lang="en-US" sz="1800" dirty="0" smtClean="0"/>
+              <a:t>        headers: {</a:t>
+            </a:r>
+          </a:p>
+          <a:p>
+            <a:pPr algn="l"/>
+            <a:r>
+              <a:rPr lang="en-US" sz="1800" dirty="0" smtClean="0"/>
+              <a:t>          'content-type': 'application/</a:t>
+            </a:r>
+            <a:r>
+              <a:rPr lang="en-US" sz="1800" dirty="0" err="1" smtClean="0"/>
+              <a:t>json</a:t>
+            </a:r>
+            <a:r>
+              <a:rPr lang="en-US" sz="1800" dirty="0" smtClean="0"/>
+              <a:t>',</a:t>
+            </a:r>
+          </a:p>
+          <a:p>
+            <a:pPr algn="l"/>
+            <a:r>
+              <a:rPr lang="en-US" sz="1800" dirty="0" smtClean="0"/>
+              <a:t>          accept: 'application/</a:t>
+            </a:r>
+            <a:r>
+              <a:rPr lang="en-US" sz="1800" dirty="0" err="1" smtClean="0"/>
+              <a:t>json</a:t>
+            </a:r>
+            <a:r>
+              <a:rPr lang="en-US" sz="1800" dirty="0" smtClean="0"/>
+              <a:t>',</a:t>
+            </a:r>
+          </a:p>
+          <a:p>
+            <a:pPr algn="l"/>
+            <a:r>
+              <a:rPr lang="en-US" sz="1800" dirty="0" smtClean="0"/>
+              <a:t>          // authorization: `Bearer ${await </a:t>
+            </a:r>
+            <a:r>
+              <a:rPr lang="en-US" sz="1800" dirty="0" err="1" smtClean="0"/>
+              <a:t>this.props.authService.getAccessToken</a:t>
+            </a:r>
+            <a:r>
+              <a:rPr lang="en-US" sz="1800" dirty="0" smtClean="0"/>
+              <a:t>()}`,</a:t>
+            </a:r>
+          </a:p>
+          <a:p>
+            <a:pPr algn="l"/>
+            <a:r>
+              <a:rPr lang="en-US" sz="1800" dirty="0" smtClean="0"/>
+              <a:t>        },</a:t>
+            </a:r>
+          </a:p>
+          <a:p>
+            <a:pPr algn="l"/>
+            <a:r>
+              <a:rPr lang="en-US" sz="1800" dirty="0" smtClean="0"/>
+              <a:t>      });</a:t>
+            </a:r>
+          </a:p>
+          <a:p>
+            <a:pPr algn="l"/>
+            <a:r>
+              <a:rPr lang="en-US" sz="1800" dirty="0" smtClean="0"/>
+              <a:t>      return await </a:t>
+            </a:r>
+            <a:r>
+              <a:rPr lang="en-US" sz="1800" dirty="0" err="1" smtClean="0"/>
+              <a:t>response.json</a:t>
+            </a:r>
+            <a:r>
+              <a:rPr lang="en-US" sz="1800" dirty="0" smtClean="0"/>
+              <a:t>();</a:t>
+            </a:r>
+          </a:p>
+          <a:p>
+            <a:pPr algn="l"/>
+            <a:r>
+              <a:rPr lang="en-US" sz="1800" dirty="0" smtClean="0"/>
+              <a:t>    } catch (error) {</a:t>
+            </a:r>
+          </a:p>
+          <a:p>
+            <a:pPr algn="l"/>
+            <a:r>
+              <a:rPr lang="en-US" sz="1800" dirty="0" smtClean="0"/>
+              <a:t>      </a:t>
+            </a:r>
+            <a:r>
+              <a:rPr lang="en-US" sz="1800" dirty="0" err="1" smtClean="0"/>
+              <a:t>console.error</a:t>
+            </a:r>
+            <a:r>
+              <a:rPr lang="en-US" sz="1800" dirty="0" smtClean="0"/>
+              <a:t>(error);</a:t>
+            </a:r>
+          </a:p>
+          <a:p>
+            <a:pPr algn="l"/>
+            <a:r>
+              <a:rPr lang="en-US" sz="1800" dirty="0" smtClean="0"/>
+              <a:t/>
+            </a:r>
+            <a:br>
+              <a:rPr lang="en-US" sz="1800" dirty="0" smtClean="0"/>
+            </a:br>
+            <a:r>
+              <a:rPr lang="en-US" sz="1800" dirty="0" smtClean="0"/>
+              <a:t>      </a:t>
+            </a:r>
+            <a:r>
+              <a:rPr lang="en-US" sz="1800" dirty="0" err="1" smtClean="0"/>
+              <a:t>this.setState</a:t>
+            </a:r>
+            <a:r>
+              <a:rPr lang="en-US" sz="1800" dirty="0" smtClean="0"/>
+              <a:t>({ error });</a:t>
+            </a:r>
+          </a:p>
+          <a:p>
+            <a:pPr algn="l"/>
+            <a:r>
+              <a:rPr lang="en-US" sz="1800" dirty="0" smtClean="0"/>
+              <a:t>    }</a:t>
+            </a:r>
+          </a:p>
+          <a:p>
+            <a:pPr algn="l"/>
+            <a:r>
+              <a:rPr lang="en-US" sz="1800" dirty="0" smtClean="0"/>
+              <a:t>  }</a:t>
+            </a:r>
+          </a:p>
+          <a:p>
+            <a:pPr algn="l"/>
+            <a:r>
+              <a:rPr lang="en-US" sz="1800" dirty="0" smtClean="0"/>
+              <a:t/>
+            </a:r>
+            <a:br>
+              <a:rPr lang="en-US" sz="1800" dirty="0" smtClean="0"/>
+            </a:br>
+            <a:r>
+              <a:rPr lang="en-US" sz="1800" dirty="0" smtClean="0"/>
+              <a:t>  </a:t>
+            </a:r>
+            <a:r>
+              <a:rPr lang="en-US" sz="1800" dirty="0" err="1" smtClean="0"/>
+              <a:t>async</a:t>
+            </a:r>
+            <a:r>
+              <a:rPr lang="en-US" sz="1800" dirty="0" smtClean="0"/>
+              <a:t> </a:t>
+            </a:r>
+            <a:r>
+              <a:rPr lang="en-US" sz="1800" dirty="0" err="1" smtClean="0"/>
+              <a:t>getEmployees</a:t>
+            </a:r>
+            <a:r>
+              <a:rPr lang="en-US" sz="1800" dirty="0" smtClean="0"/>
+              <a:t>() {</a:t>
+            </a:r>
+          </a:p>
+          <a:p>
+            <a:pPr algn="l"/>
+            <a:r>
+              <a:rPr lang="en-US" sz="1800" dirty="0" smtClean="0"/>
+              <a:t>    </a:t>
+            </a:r>
+            <a:r>
+              <a:rPr lang="en-US" sz="1800" dirty="0" err="1" smtClean="0"/>
+              <a:t>this.setState</a:t>
+            </a:r>
+            <a:r>
+              <a:rPr lang="en-US" sz="1800" dirty="0" smtClean="0"/>
+              <a:t>({ loading: false, </a:t>
+            </a:r>
+            <a:r>
+              <a:rPr lang="en-US" sz="1800" dirty="0" err="1" smtClean="0"/>
+              <a:t>emps</a:t>
+            </a:r>
+            <a:r>
+              <a:rPr lang="en-US" sz="1800" dirty="0" smtClean="0"/>
+              <a:t>: (await </a:t>
+            </a:r>
+            <a:r>
+              <a:rPr lang="en-US" sz="1800" dirty="0" err="1" smtClean="0"/>
+              <a:t>this.fetch</a:t>
+            </a:r>
+            <a:r>
+              <a:rPr lang="en-US" sz="1800" dirty="0" smtClean="0"/>
+              <a:t>('get', '/employees')) || [] });</a:t>
+            </a:r>
+          </a:p>
+          <a:p>
+            <a:pPr algn="l"/>
+            <a:r>
+              <a:rPr lang="en-US" sz="1800" dirty="0" smtClean="0"/>
+              <a:t>  }</a:t>
+            </a:r>
+          </a:p>
+          <a:p>
+            <a:pPr algn="l"/>
+            <a:r>
+              <a:rPr lang="en-US" sz="1800" dirty="0" smtClean="0"/>
+              <a:t/>
+            </a:r>
+            <a:br>
+              <a:rPr lang="en-US" sz="1800" dirty="0" smtClean="0"/>
+            </a:br>
+            <a:r>
+              <a:rPr lang="en-US" sz="1800" dirty="0" smtClean="0"/>
+              <a:t>  </a:t>
+            </a:r>
+            <a:r>
+              <a:rPr lang="en-US" sz="1800" dirty="0" err="1" smtClean="0"/>
+              <a:t>saveEmp</a:t>
+            </a:r>
+            <a:r>
+              <a:rPr lang="en-US" sz="1800" dirty="0" smtClean="0"/>
+              <a:t> = </a:t>
+            </a:r>
+            <a:r>
+              <a:rPr lang="en-US" sz="1800" dirty="0" err="1" smtClean="0"/>
+              <a:t>async</a:t>
+            </a:r>
+            <a:r>
+              <a:rPr lang="en-US" sz="1800" dirty="0" smtClean="0"/>
+              <a:t> (</a:t>
+            </a:r>
+            <a:r>
+              <a:rPr lang="en-US" sz="1800" dirty="0" err="1" smtClean="0"/>
+              <a:t>emp</a:t>
+            </a:r>
+            <a:r>
+              <a:rPr lang="en-US" sz="1800" dirty="0" smtClean="0"/>
+              <a:t>) =&gt; {</a:t>
+            </a:r>
+          </a:p>
+          <a:p>
+            <a:pPr algn="l"/>
+            <a:r>
+              <a:rPr lang="en-US" sz="1800" dirty="0" smtClean="0"/>
+              <a:t>    if (emp.id) {</a:t>
+            </a:r>
+          </a:p>
+          <a:p>
+            <a:pPr algn="l"/>
+            <a:r>
+              <a:rPr lang="en-US" sz="1800" dirty="0" smtClean="0"/>
+              <a:t>      await </a:t>
+            </a:r>
+            <a:r>
+              <a:rPr lang="en-US" sz="1800" dirty="0" err="1" smtClean="0"/>
+              <a:t>this.fetch</a:t>
+            </a:r>
+            <a:r>
+              <a:rPr lang="en-US" sz="1800" dirty="0" smtClean="0"/>
+              <a:t>('put', `/employees/${emp.id}`, </a:t>
+            </a:r>
+            <a:r>
+              <a:rPr lang="en-US" sz="1800" dirty="0" err="1" smtClean="0"/>
+              <a:t>emp</a:t>
+            </a:r>
+            <a:r>
+              <a:rPr lang="en-US" sz="1800" dirty="0" smtClean="0"/>
+              <a:t>);</a:t>
+            </a:r>
+          </a:p>
+          <a:p>
+            <a:pPr algn="l"/>
+            <a:r>
+              <a:rPr lang="en-US" sz="1800" dirty="0" smtClean="0"/>
+              <a:t>    } else {</a:t>
+            </a:r>
+          </a:p>
+          <a:p>
+            <a:pPr algn="l"/>
+            <a:r>
+              <a:rPr lang="en-US" sz="1800" dirty="0" smtClean="0"/>
+              <a:t>      await </a:t>
+            </a:r>
+            <a:r>
+              <a:rPr lang="en-US" sz="1800" dirty="0" err="1" smtClean="0"/>
+              <a:t>this.fetch</a:t>
+            </a:r>
+            <a:r>
+              <a:rPr lang="en-US" sz="1800" dirty="0" smtClean="0"/>
+              <a:t>('post', '/employees', </a:t>
+            </a:r>
+            <a:r>
+              <a:rPr lang="en-US" sz="1800" dirty="0" err="1" smtClean="0"/>
+              <a:t>emp</a:t>
+            </a:r>
+            <a:r>
+              <a:rPr lang="en-US" sz="1800" dirty="0" smtClean="0"/>
+              <a:t>);</a:t>
+            </a:r>
+          </a:p>
+          <a:p>
+            <a:pPr algn="l"/>
+            <a:r>
+              <a:rPr lang="en-US" sz="1800" dirty="0" smtClean="0"/>
+              <a:t>    }</a:t>
+            </a:r>
+          </a:p>
+          <a:p>
+            <a:pPr algn="l"/>
+            <a:r>
+              <a:rPr lang="en-US" sz="1800" dirty="0" smtClean="0"/>
+              <a:t/>
+            </a:r>
+            <a:br>
+              <a:rPr lang="en-US" sz="1800" dirty="0" smtClean="0"/>
+            </a:br>
+            <a:r>
+              <a:rPr lang="en-US" sz="1800" dirty="0" smtClean="0"/>
+              <a:t/>
+            </a:r>
+            <a:br>
+              <a:rPr lang="en-US" sz="1800" dirty="0" smtClean="0"/>
+            </a:br>
+            <a:r>
+              <a:rPr lang="en-US" sz="1800" dirty="0" smtClean="0"/>
+              <a:t>    </a:t>
+            </a:r>
+            <a:r>
+              <a:rPr lang="en-US" sz="1800" dirty="0" err="1" smtClean="0"/>
+              <a:t>this.getEmployees</a:t>
+            </a:r>
+            <a:r>
+              <a:rPr lang="en-US" sz="1800" dirty="0" smtClean="0"/>
+              <a:t>();</a:t>
+            </a:r>
+          </a:p>
+          <a:p>
+            <a:pPr algn="l"/>
+            <a:r>
+              <a:rPr lang="en-US" sz="1800" dirty="0" smtClean="0"/>
+              <a:t>  }</a:t>
+            </a:r>
+          </a:p>
+          <a:p>
+            <a:pPr algn="l"/>
+            <a:r>
+              <a:rPr lang="en-US" sz="1800" dirty="0" smtClean="0"/>
+              <a:t/>
+            </a:r>
+            <a:br>
+              <a:rPr lang="en-US" sz="1800" dirty="0" smtClean="0"/>
+            </a:br>
+            <a:r>
+              <a:rPr lang="en-US" sz="1800" dirty="0" smtClean="0"/>
+              <a:t>  </a:t>
+            </a:r>
+            <a:r>
+              <a:rPr lang="en-US" sz="1800" dirty="0" err="1" smtClean="0"/>
+              <a:t>async</a:t>
+            </a:r>
+            <a:r>
+              <a:rPr lang="en-US" sz="1800" dirty="0" smtClean="0"/>
+              <a:t> </a:t>
+            </a:r>
+            <a:r>
+              <a:rPr lang="en-US" sz="1800" dirty="0" err="1" smtClean="0"/>
+              <a:t>deleteEmp</a:t>
+            </a:r>
+            <a:r>
+              <a:rPr lang="en-US" sz="1800" dirty="0" smtClean="0"/>
+              <a:t>(</a:t>
+            </a:r>
+            <a:r>
+              <a:rPr lang="en-US" sz="1800" dirty="0" err="1" smtClean="0"/>
+              <a:t>emp</a:t>
+            </a:r>
+            <a:r>
+              <a:rPr lang="en-US" sz="1800" dirty="0" smtClean="0"/>
+              <a:t>) {</a:t>
+            </a:r>
+          </a:p>
+          <a:p>
+            <a:pPr algn="l"/>
+            <a:r>
+              <a:rPr lang="en-US" sz="1800" dirty="0" smtClean="0"/>
+              <a:t>    if (</a:t>
+            </a:r>
+            <a:r>
+              <a:rPr lang="en-US" sz="1800" dirty="0" err="1" smtClean="0"/>
+              <a:t>window.confirm</a:t>
+            </a:r>
+            <a:r>
+              <a:rPr lang="en-US" sz="1800" dirty="0" smtClean="0"/>
+              <a:t>(`Are you sure you want to delete "${emp.name}"`)) {</a:t>
+            </a:r>
+          </a:p>
+          <a:p>
+            <a:pPr algn="l"/>
+            <a:r>
+              <a:rPr lang="en-US" sz="1800" dirty="0" smtClean="0"/>
+              <a:t>      await </a:t>
+            </a:r>
+            <a:r>
+              <a:rPr lang="en-US" sz="1800" dirty="0" err="1" smtClean="0"/>
+              <a:t>this.fetch</a:t>
+            </a:r>
+            <a:r>
+              <a:rPr lang="en-US" sz="1800" dirty="0" smtClean="0"/>
+              <a:t>('delete', `/employees/${emp.id}`);</a:t>
+            </a:r>
+          </a:p>
+          <a:p>
+            <a:pPr algn="l"/>
+            <a:r>
+              <a:rPr lang="en-US" sz="1800" dirty="0" smtClean="0"/>
+              <a:t>      </a:t>
+            </a:r>
+            <a:r>
+              <a:rPr lang="en-US" sz="1800" dirty="0" err="1" smtClean="0"/>
+              <a:t>this.getEmployees</a:t>
+            </a:r>
+            <a:r>
+              <a:rPr lang="en-US" sz="1800" dirty="0" smtClean="0"/>
+              <a:t>();</a:t>
+            </a:r>
+          </a:p>
+          <a:p>
+            <a:pPr algn="l"/>
+            <a:r>
+              <a:rPr lang="en-US" sz="1800" dirty="0" smtClean="0"/>
+              <a:t>    }</a:t>
+            </a:r>
+          </a:p>
+          <a:p>
+            <a:pPr algn="l"/>
+            <a:r>
+              <a:rPr lang="en-US" sz="1800" dirty="0" smtClean="0"/>
+              <a:t>  }</a:t>
+            </a:r>
+          </a:p>
+          <a:p>
+            <a:pPr algn="l"/>
+            <a:r>
+              <a:rPr lang="en-US" sz="1800" dirty="0" smtClean="0"/>
+              <a:t/>
+            </a:r>
+            <a:br>
+              <a:rPr lang="en-US" sz="1800" dirty="0" smtClean="0"/>
+            </a:br>
+            <a:r>
+              <a:rPr lang="en-US" sz="1800" dirty="0" smtClean="0"/>
+              <a:t>  /*   </a:t>
+            </a:r>
+            <a:r>
+              <a:rPr lang="en-US" sz="1800" dirty="0" err="1" smtClean="0"/>
+              <a:t>renderEmpEditor</a:t>
+            </a:r>
+            <a:r>
+              <a:rPr lang="en-US" sz="1800" dirty="0" smtClean="0"/>
+              <a:t> = ({ match: { </a:t>
+            </a:r>
+            <a:r>
+              <a:rPr lang="en-US" sz="1800" dirty="0" err="1" smtClean="0"/>
+              <a:t>params</a:t>
+            </a:r>
+            <a:r>
+              <a:rPr lang="en-US" sz="1800" dirty="0" smtClean="0"/>
+              <a:t>: { id } } }) =&gt; {</a:t>
+            </a:r>
+          </a:p>
+          <a:p>
+            <a:pPr algn="l"/>
+            <a:r>
+              <a:rPr lang="en-US" sz="1800" dirty="0" smtClean="0"/>
+              <a:t>      if (</a:t>
+            </a:r>
+            <a:r>
+              <a:rPr lang="en-US" sz="1800" dirty="0" err="1" smtClean="0"/>
+              <a:t>this.state.loading</a:t>
+            </a:r>
+            <a:r>
+              <a:rPr lang="en-US" sz="1800" dirty="0" smtClean="0"/>
+              <a:t>) return null;</a:t>
+            </a:r>
+          </a:p>
+          <a:p>
+            <a:pPr algn="l"/>
+            <a:r>
+              <a:rPr lang="en-US" sz="1800" dirty="0" smtClean="0"/>
+              <a:t>      const </a:t>
+            </a:r>
+            <a:r>
+              <a:rPr lang="en-US" sz="1800" dirty="0" err="1" smtClean="0"/>
+              <a:t>emp</a:t>
+            </a:r>
+            <a:r>
+              <a:rPr lang="en-US" sz="1800" dirty="0" smtClean="0"/>
+              <a:t> = find(</a:t>
+            </a:r>
+            <a:r>
+              <a:rPr lang="en-US" sz="1800" dirty="0" err="1" smtClean="0"/>
+              <a:t>this.state.emps</a:t>
+            </a:r>
+            <a:r>
+              <a:rPr lang="en-US" sz="1800" dirty="0" smtClean="0"/>
+              <a:t>, { id: Number(id) });</a:t>
+            </a:r>
+          </a:p>
+          <a:p>
+            <a:pPr algn="l"/>
+            <a:r>
+              <a:rPr lang="en-US" sz="1800" dirty="0" smtClean="0"/>
+              <a:t>  </a:t>
+            </a:r>
+          </a:p>
+          <a:p>
+            <a:pPr algn="l"/>
+            <a:r>
+              <a:rPr lang="en-US" sz="1800" dirty="0" smtClean="0"/>
+              <a:t>      if (!</a:t>
+            </a:r>
+            <a:r>
+              <a:rPr lang="en-US" sz="1800" dirty="0" err="1" smtClean="0"/>
+              <a:t>emp</a:t>
+            </a:r>
+            <a:r>
+              <a:rPr lang="en-US" sz="1800" dirty="0" smtClean="0"/>
+              <a:t> &amp;&amp; id !== 'new') return &lt;Redirect to="/posts" /&gt;;</a:t>
+            </a:r>
+          </a:p>
+          <a:p>
+            <a:pPr algn="l"/>
+            <a:r>
+              <a:rPr lang="en-US" sz="1800" dirty="0" smtClean="0"/>
+              <a:t>  </a:t>
+            </a:r>
+          </a:p>
+          <a:p>
+            <a:pPr algn="l"/>
+            <a:r>
+              <a:rPr lang="en-US" sz="1800" dirty="0" smtClean="0"/>
+              <a:t>      return &lt;</a:t>
+            </a:r>
+            <a:r>
+              <a:rPr lang="en-US" sz="1800" dirty="0" err="1" smtClean="0"/>
+              <a:t>PostEditor</a:t>
+            </a:r>
+            <a:r>
+              <a:rPr lang="en-US" sz="1800" dirty="0" smtClean="0"/>
+              <a:t> post={post} </a:t>
+            </a:r>
+            <a:r>
+              <a:rPr lang="en-US" sz="1800" dirty="0" err="1" smtClean="0"/>
+              <a:t>onSave</a:t>
+            </a:r>
+            <a:r>
+              <a:rPr lang="en-US" sz="1800" dirty="0" smtClean="0"/>
+              <a:t>={</a:t>
+            </a:r>
+            <a:r>
+              <a:rPr lang="en-US" sz="1800" dirty="0" err="1" smtClean="0"/>
+              <a:t>this.savePost</a:t>
+            </a:r>
+            <a:r>
+              <a:rPr lang="en-US" sz="1800" dirty="0" smtClean="0"/>
+              <a:t>} /&gt;;</a:t>
+            </a:r>
+          </a:p>
+          <a:p>
+            <a:pPr algn="l"/>
+            <a:r>
+              <a:rPr lang="en-US" sz="1800" dirty="0" smtClean="0"/>
+              <a:t>    };</a:t>
+            </a:r>
+          </a:p>
+          <a:p>
+            <a:pPr algn="l"/>
+            <a:r>
+              <a:rPr lang="en-US" sz="1800" dirty="0" smtClean="0"/>
+              <a:t>   */</a:t>
+            </a:r>
+          </a:p>
+          <a:p>
+            <a:pPr algn="l"/>
+            <a:r>
+              <a:rPr lang="en-US" sz="1800" dirty="0" smtClean="0"/>
+              <a:t/>
+            </a:r>
+            <a:br>
+              <a:rPr lang="en-US" sz="1800" dirty="0" smtClean="0"/>
+            </a:br>
+            <a:r>
+              <a:rPr lang="en-US" sz="1800" dirty="0" smtClean="0"/>
+              <a:t>  render() {</a:t>
+            </a:r>
+          </a:p>
+          <a:p>
+            <a:pPr algn="l"/>
+            <a:r>
+              <a:rPr lang="en-US" sz="1800" dirty="0" smtClean="0"/>
+              <a:t>    const { classes } = </a:t>
+            </a:r>
+            <a:r>
+              <a:rPr lang="en-US" sz="1800" dirty="0" err="1" smtClean="0"/>
+              <a:t>this.props</a:t>
+            </a:r>
+            <a:r>
+              <a:rPr lang="en-US" sz="1800" dirty="0" smtClean="0"/>
+              <a:t>;</a:t>
+            </a:r>
+          </a:p>
+          <a:p>
+            <a:pPr algn="l"/>
+            <a:r>
+              <a:rPr lang="en-US" sz="1800" dirty="0" smtClean="0"/>
+              <a:t>    console.log(</a:t>
+            </a:r>
+            <a:r>
+              <a:rPr lang="en-US" sz="1800" dirty="0" err="1" smtClean="0"/>
+              <a:t>this.state.emps</a:t>
+            </a:r>
+            <a:r>
+              <a:rPr lang="en-US" sz="1800" dirty="0" smtClean="0"/>
+              <a:t>)</a:t>
+            </a:r>
+          </a:p>
+          <a:p>
+            <a:pPr algn="l"/>
+            <a:r>
+              <a:rPr lang="en-US" sz="1800" dirty="0" smtClean="0"/>
+              <a:t>    let elements = &lt;div&gt;&lt;/div&gt;;</a:t>
+            </a:r>
+          </a:p>
+          <a:p>
+            <a:pPr algn="l"/>
+            <a:r>
+              <a:rPr lang="en-US" sz="1800" dirty="0" smtClean="0"/>
+              <a:t>    let employees = {};</a:t>
+            </a:r>
+          </a:p>
+          <a:p>
+            <a:pPr algn="l"/>
+            <a:r>
+              <a:rPr lang="en-US" sz="1800" dirty="0" smtClean="0"/>
+              <a:t>    if (</a:t>
+            </a:r>
+            <a:r>
+              <a:rPr lang="en-US" sz="1800" dirty="0" err="1" smtClean="0"/>
+              <a:t>this.state.emps</a:t>
+            </a:r>
+            <a:r>
+              <a:rPr lang="en-US" sz="1800" dirty="0" smtClean="0"/>
+              <a:t>) {</a:t>
+            </a:r>
+          </a:p>
+          <a:p>
+            <a:pPr algn="l"/>
+            <a:r>
+              <a:rPr lang="en-US" sz="1800" dirty="0" smtClean="0"/>
+              <a:t>      employees = </a:t>
+            </a:r>
+            <a:r>
+              <a:rPr lang="en-US" sz="1800" dirty="0" err="1" smtClean="0"/>
+              <a:t>this.state.emps</a:t>
+            </a:r>
+            <a:r>
+              <a:rPr lang="en-US" sz="1800" dirty="0" smtClean="0"/>
+              <a:t>;</a:t>
+            </a:r>
+          </a:p>
+          <a:p>
+            <a:pPr algn="l"/>
+            <a:r>
+              <a:rPr lang="en-US" sz="1800" dirty="0" smtClean="0"/>
+              <a:t>      </a:t>
+            </a:r>
+            <a:r>
+              <a:rPr lang="en-US" sz="1800" dirty="0" err="1" smtClean="0"/>
+              <a:t>employees.forEach</a:t>
+            </a:r>
+            <a:r>
+              <a:rPr lang="en-US" sz="1800" dirty="0" smtClean="0"/>
+              <a:t>(e =&gt; {</a:t>
+            </a:r>
+          </a:p>
+          <a:p>
+            <a:pPr algn="l"/>
+            <a:r>
+              <a:rPr lang="en-US" sz="1800" dirty="0" smtClean="0"/>
+              <a:t>        console.log(e)</a:t>
+            </a:r>
+          </a:p>
+          <a:p>
+            <a:pPr algn="l"/>
+            <a:r>
+              <a:rPr lang="en-US" sz="1800" dirty="0" smtClean="0"/>
+              <a:t>      });</a:t>
+            </a:r>
+          </a:p>
+          <a:p>
+            <a:pPr algn="l"/>
+            <a:r>
+              <a:rPr lang="en-US" sz="1800" dirty="0" smtClean="0"/>
+              <a:t/>
+            </a:r>
+            <a:br>
+              <a:rPr lang="en-US" sz="1800" dirty="0" smtClean="0"/>
+            </a:br>
+            <a:r>
+              <a:rPr lang="en-US" sz="1800" dirty="0" smtClean="0"/>
+              <a:t/>
+            </a:r>
+            <a:br>
+              <a:rPr lang="en-US" sz="1800" dirty="0" smtClean="0"/>
+            </a:br>
+            <a:r>
+              <a:rPr lang="en-US" sz="1800" dirty="0" smtClean="0"/>
+              <a:t>      /* &lt;table border="1"&gt;</a:t>
+            </a:r>
+          </a:p>
+          <a:p>
+            <a:pPr algn="l"/>
+            <a:r>
+              <a:rPr lang="en-US" sz="1800" dirty="0" smtClean="0"/>
+              <a:t>      &lt;</a:t>
+            </a:r>
+            <a:r>
+              <a:rPr lang="en-US" sz="1800" dirty="0" err="1" smtClean="0"/>
+              <a:t>tbody</a:t>
+            </a:r>
+            <a:r>
+              <a:rPr lang="en-US" sz="1800" dirty="0" smtClean="0"/>
+              <a:t>&gt;</a:t>
+            </a:r>
+          </a:p>
+          <a:p>
+            <a:pPr algn="l"/>
+            <a:r>
+              <a:rPr lang="en-US" sz="1800" dirty="0" smtClean="0"/>
+              <a:t>       elements = employees.map((e) =&gt; (</a:t>
+            </a:r>
+          </a:p>
+          <a:p>
+            <a:pPr algn="l"/>
+            <a:r>
+              <a:rPr lang="en-US" sz="1800" dirty="0" smtClean="0"/>
+              <a:t>        &lt;</a:t>
+            </a:r>
+            <a:r>
+              <a:rPr lang="en-US" sz="1800" dirty="0" err="1" smtClean="0"/>
+              <a:t>tr</a:t>
+            </a:r>
+            <a:r>
+              <a:rPr lang="en-US" sz="1800" dirty="0" smtClean="0"/>
+              <a:t>&gt;</a:t>
+            </a:r>
+          </a:p>
+          <a:p>
+            <a:pPr algn="l"/>
+            <a:r>
+              <a:rPr lang="en-US" sz="1800" dirty="0" smtClean="0"/>
+              <a:t>          &lt;td&gt;{</a:t>
+            </a:r>
+            <a:r>
+              <a:rPr lang="en-US" sz="1800" dirty="0" err="1" smtClean="0"/>
+              <a:t>e.firstName</a:t>
+            </a:r>
+            <a:r>
+              <a:rPr lang="en-US" sz="1800" dirty="0" smtClean="0"/>
+              <a:t>}&lt;/td&gt;</a:t>
+            </a:r>
+          </a:p>
+          <a:p>
+            <a:pPr algn="l"/>
+            <a:r>
+              <a:rPr lang="en-US" sz="1800" dirty="0" smtClean="0"/>
+              <a:t>          &lt;td&gt;{</a:t>
+            </a:r>
+            <a:r>
+              <a:rPr lang="en-US" sz="1800" dirty="0" err="1" smtClean="0"/>
+              <a:t>e.lastName</a:t>
+            </a:r>
+            <a:r>
+              <a:rPr lang="en-US" sz="1800" dirty="0" smtClean="0"/>
+              <a:t>}&lt;/td&gt;</a:t>
+            </a:r>
+          </a:p>
+          <a:p>
+            <a:pPr algn="l"/>
+            <a:r>
+              <a:rPr lang="en-US" sz="1800" dirty="0" smtClean="0"/>
+              <a:t>        &lt;/</a:t>
+            </a:r>
+            <a:r>
+              <a:rPr lang="en-US" sz="1800" dirty="0" err="1" smtClean="0"/>
+              <a:t>tr</a:t>
+            </a:r>
+            <a:r>
+              <a:rPr lang="en-US" sz="1800" dirty="0" smtClean="0"/>
+              <a:t>&gt;</a:t>
+            </a:r>
+          </a:p>
+          <a:p>
+            <a:pPr algn="l"/>
+            <a:r>
+              <a:rPr lang="en-US" sz="1800" dirty="0" smtClean="0"/>
+              <a:t> &lt;/</a:t>
+            </a:r>
+            <a:r>
+              <a:rPr lang="en-US" sz="1800" dirty="0" err="1" smtClean="0"/>
+              <a:t>tbody</a:t>
+            </a:r>
+            <a:r>
+              <a:rPr lang="en-US" sz="1800" dirty="0" smtClean="0"/>
+              <a:t>&gt;</a:t>
+            </a:r>
+          </a:p>
+          <a:p>
+            <a:pPr algn="l"/>
+            <a:r>
+              <a:rPr lang="en-US" sz="1800" dirty="0" smtClean="0"/>
+              <a:t/>
+            </a:r>
+            <a:br>
+              <a:rPr lang="en-US" sz="1800" dirty="0" smtClean="0"/>
+            </a:br>
+            <a:r>
+              <a:rPr lang="en-US" sz="1800" dirty="0" smtClean="0"/>
+              <a:t>        &lt;/table&gt;</a:t>
+            </a:r>
+          </a:p>
+          <a:p>
+            <a:pPr algn="l"/>
+            <a:r>
+              <a:rPr lang="en-US" sz="1800" dirty="0" smtClean="0"/>
+              <a:t>      )) */</a:t>
+            </a:r>
+          </a:p>
+          <a:p>
+            <a:pPr algn="l"/>
+            <a:r>
+              <a:rPr lang="en-US" sz="1800" dirty="0" smtClean="0"/>
+              <a:t/>
+            </a:r>
+            <a:br>
+              <a:rPr lang="en-US" sz="1800" dirty="0" smtClean="0"/>
+            </a:br>
+            <a:r>
+              <a:rPr lang="en-US" sz="1800" dirty="0" smtClean="0"/>
+              <a:t>      elements = employees.map((e) =&gt; (</a:t>
+            </a:r>
+          </a:p>
+          <a:p>
+            <a:pPr algn="l"/>
+            <a:r>
+              <a:rPr lang="en-US" sz="1800" dirty="0" smtClean="0"/>
+              <a:t>        &lt;div </a:t>
+            </a:r>
+            <a:r>
+              <a:rPr lang="en-US" sz="1800" dirty="0" err="1" smtClean="0"/>
+              <a:t>className</a:t>
+            </a:r>
+            <a:r>
+              <a:rPr lang="en-US" sz="1800" dirty="0" smtClean="0"/>
+              <a:t>={styles.row} key={e.id}&gt;</a:t>
+            </a:r>
+          </a:p>
+          <a:p>
+            <a:pPr algn="l"/>
+            <a:r>
+              <a:rPr lang="en-US" sz="1800" dirty="0" smtClean="0"/>
+              <a:t>          &lt;div </a:t>
+            </a:r>
+            <a:r>
+              <a:rPr lang="en-US" sz="1800" dirty="0" err="1" smtClean="0"/>
+              <a:t>className</a:t>
+            </a:r>
+            <a:r>
+              <a:rPr lang="en-US" sz="1800" dirty="0" smtClean="0"/>
+              <a:t>={styles.col} key={</a:t>
+            </a:r>
+            <a:r>
+              <a:rPr lang="en-US" sz="1800" dirty="0" err="1" smtClean="0"/>
+              <a:t>e.firstName</a:t>
+            </a:r>
+            <a:r>
+              <a:rPr lang="en-US" sz="1800" dirty="0" smtClean="0"/>
+              <a:t>}&gt;{</a:t>
+            </a:r>
+            <a:r>
+              <a:rPr lang="en-US" sz="1800" dirty="0" err="1" smtClean="0"/>
+              <a:t>e.firstName</a:t>
+            </a:r>
+            <a:r>
+              <a:rPr lang="en-US" sz="1800" dirty="0" smtClean="0"/>
+              <a:t>}&lt;/div&gt;</a:t>
+            </a:r>
+          </a:p>
+          <a:p>
+            <a:pPr algn="l"/>
+            <a:r>
+              <a:rPr lang="en-US" sz="1800" dirty="0" smtClean="0"/>
+              <a:t>          &lt;div </a:t>
+            </a:r>
+            <a:r>
+              <a:rPr lang="en-US" sz="1800" dirty="0" err="1" smtClean="0"/>
+              <a:t>className</a:t>
+            </a:r>
+            <a:r>
+              <a:rPr lang="en-US" sz="1800" dirty="0" smtClean="0"/>
+              <a:t>={styles.col} key={</a:t>
+            </a:r>
+            <a:r>
+              <a:rPr lang="en-US" sz="1800" dirty="0" err="1" smtClean="0"/>
+              <a:t>e.lastName</a:t>
+            </a:r>
+            <a:r>
+              <a:rPr lang="en-US" sz="1800" dirty="0" smtClean="0"/>
+              <a:t>}&gt;{</a:t>
+            </a:r>
+            <a:r>
+              <a:rPr lang="en-US" sz="1800" dirty="0" err="1" smtClean="0"/>
+              <a:t>e.lastName</a:t>
+            </a:r>
+            <a:r>
+              <a:rPr lang="en-US" sz="1800" dirty="0" smtClean="0"/>
+              <a:t>}&lt;/div&gt;</a:t>
+            </a:r>
+          </a:p>
+          <a:p>
+            <a:pPr algn="l"/>
+            <a:r>
+              <a:rPr lang="en-US" sz="1800" dirty="0" smtClean="0"/>
+              <a:t>        &lt;/div&gt;</a:t>
+            </a:r>
+          </a:p>
+          <a:p>
+            <a:pPr algn="l"/>
+            <a:r>
+              <a:rPr lang="en-US" sz="1800" dirty="0" smtClean="0"/>
+              <a:t/>
+            </a:r>
+            <a:br>
+              <a:rPr lang="en-US" sz="1800" dirty="0" smtClean="0"/>
+            </a:br>
+            <a:r>
+              <a:rPr lang="en-US" sz="1800" dirty="0" smtClean="0"/>
+              <a:t>      ))</a:t>
+            </a:r>
+          </a:p>
+          <a:p>
+            <a:pPr algn="l"/>
+            <a:r>
+              <a:rPr lang="en-US" sz="1800" dirty="0" smtClean="0"/>
+              <a:t>      console.log(elements)</a:t>
+            </a:r>
+          </a:p>
+          <a:p>
+            <a:pPr algn="l"/>
+            <a:r>
+              <a:rPr lang="en-US" sz="1800" dirty="0" smtClean="0"/>
+              <a:t>    }</a:t>
+            </a:r>
+          </a:p>
+          <a:p>
+            <a:pPr algn="l"/>
+            <a:r>
+              <a:rPr lang="en-US" sz="1800" dirty="0" smtClean="0"/>
+              <a:t>    return (</a:t>
+            </a:r>
+          </a:p>
+          <a:p>
+            <a:pPr algn="l"/>
+            <a:r>
+              <a:rPr lang="en-US" sz="1800" dirty="0" smtClean="0"/>
+              <a:t>      &lt;div id="</a:t>
+            </a:r>
+            <a:r>
+              <a:rPr lang="en-US" sz="1800" dirty="0" err="1" smtClean="0"/>
+              <a:t>emp</a:t>
+            </a:r>
+            <a:r>
+              <a:rPr lang="en-US" sz="1800" dirty="0" smtClean="0"/>
+              <a:t>" </a:t>
+            </a:r>
+            <a:r>
+              <a:rPr lang="en-US" sz="1800" dirty="0" err="1" smtClean="0"/>
+              <a:t>className</a:t>
+            </a:r>
+            <a:r>
+              <a:rPr lang="en-US" sz="1800" dirty="0" smtClean="0"/>
+              <a:t>={</a:t>
+            </a:r>
+            <a:r>
+              <a:rPr lang="en-US" sz="1800" dirty="0" err="1" smtClean="0"/>
+              <a:t>styles.table</a:t>
+            </a:r>
+            <a:r>
+              <a:rPr lang="en-US" sz="1800" dirty="0" smtClean="0"/>
+              <a:t>}&gt;</a:t>
+            </a:r>
+          </a:p>
+          <a:p>
+            <a:pPr algn="l"/>
+            <a:r>
+              <a:rPr lang="en-US" sz="1800" dirty="0" smtClean="0"/>
+              <a:t>        &lt;div </a:t>
+            </a:r>
+            <a:r>
+              <a:rPr lang="en-US" sz="1800" dirty="0" err="1" smtClean="0"/>
+              <a:t>className</a:t>
+            </a:r>
+            <a:r>
+              <a:rPr lang="en-US" sz="1800" dirty="0" smtClean="0"/>
+              <a:t>={styles.row} key="id"&gt;</a:t>
+            </a:r>
+          </a:p>
+          <a:p>
+            <a:pPr algn="l"/>
+            <a:r>
+              <a:rPr lang="en-US" sz="1800" dirty="0" smtClean="0"/>
+              <a:t>          &lt;div </a:t>
+            </a:r>
+            <a:r>
+              <a:rPr lang="en-US" sz="1800" dirty="0" err="1" smtClean="0"/>
+              <a:t>className</a:t>
+            </a:r>
+            <a:r>
+              <a:rPr lang="en-US" sz="1800" dirty="0" smtClean="0"/>
+              <a:t>={styles.col} key="</a:t>
+            </a:r>
+            <a:r>
+              <a:rPr lang="en-US" sz="1800" dirty="0" err="1" smtClean="0"/>
+              <a:t>firstName</a:t>
+            </a:r>
+            <a:r>
+              <a:rPr lang="en-US" sz="1800" dirty="0" smtClean="0"/>
+              <a:t>"&gt;First Name&lt;/div&gt;</a:t>
+            </a:r>
+          </a:p>
+          <a:p>
+            <a:pPr algn="l"/>
+            <a:r>
+              <a:rPr lang="en-US" sz="1800" dirty="0" smtClean="0"/>
+              <a:t>          &lt;div </a:t>
+            </a:r>
+            <a:r>
+              <a:rPr lang="en-US" sz="1800" dirty="0" err="1" smtClean="0"/>
+              <a:t>className</a:t>
+            </a:r>
+            <a:r>
+              <a:rPr lang="en-US" sz="1800" dirty="0" smtClean="0"/>
+              <a:t>={styles.col} key="</a:t>
+            </a:r>
+            <a:r>
+              <a:rPr lang="en-US" sz="1800" dirty="0" err="1" smtClean="0"/>
+              <a:t>lastName</a:t>
+            </a:r>
+            <a:r>
+              <a:rPr lang="en-US" sz="1800" dirty="0" smtClean="0"/>
+              <a:t>"&gt;Last Name&lt;/div&gt;</a:t>
+            </a:r>
+          </a:p>
+          <a:p>
+            <a:pPr algn="l"/>
+            <a:r>
+              <a:rPr lang="en-US" sz="1800" dirty="0" smtClean="0"/>
+              <a:t>        &lt;/div&gt;</a:t>
+            </a:r>
+          </a:p>
+          <a:p>
+            <a:pPr algn="l"/>
+            <a:r>
+              <a:rPr lang="en-US" sz="1800" dirty="0" smtClean="0"/>
+              <a:t>        {elements}</a:t>
+            </a:r>
+          </a:p>
+          <a:p>
+            <a:pPr algn="l"/>
+            <a:r>
+              <a:rPr lang="en-US" sz="1800" dirty="0" smtClean="0"/>
+              <a:t/>
+            </a:r>
+            <a:br>
+              <a:rPr lang="en-US" sz="1800" dirty="0" smtClean="0"/>
+            </a:br>
+            <a:r>
+              <a:rPr lang="en-US" sz="1800" dirty="0" smtClean="0"/>
+              <a:t/>
+            </a:r>
+            <a:br>
+              <a:rPr lang="en-US" sz="1800" dirty="0" smtClean="0"/>
+            </a:br>
+            <a:r>
+              <a:rPr lang="en-US" sz="1800" dirty="0" smtClean="0"/>
+              <a:t>      &lt;/div&gt;</a:t>
+            </a:r>
+          </a:p>
+          <a:p>
+            <a:pPr algn="l"/>
+            <a:r>
+              <a:rPr lang="en-US" sz="1800" dirty="0" smtClean="0"/>
+              <a:t>    );</a:t>
+            </a:r>
+          </a:p>
+          <a:p>
+            <a:pPr algn="l"/>
+            <a:r>
+              <a:rPr lang="en-US" sz="1800" dirty="0" smtClean="0"/>
+              <a:t>  }</a:t>
+            </a:r>
+          </a:p>
+          <a:p>
+            <a:pPr algn="l"/>
+            <a:r>
+              <a:rPr lang="en-US" sz="1800" dirty="0" smtClean="0"/>
+              <a:t>}</a:t>
+            </a:r>
+          </a:p>
+          <a:p>
+            <a:pPr algn="l"/>
+            <a:r>
+              <a:rPr lang="en-US" sz="1800" dirty="0" smtClean="0"/>
+              <a:t/>
+            </a:r>
+            <a:br>
+              <a:rPr lang="en-US" sz="1800" dirty="0" smtClean="0"/>
+            </a:br>
+            <a:r>
+              <a:rPr lang="en-US" sz="1800" dirty="0" smtClean="0"/>
+              <a:t>export default </a:t>
+            </a:r>
+            <a:r>
+              <a:rPr lang="en-US" sz="1800" dirty="0" err="1" smtClean="0"/>
+              <a:t>EmpFetch</a:t>
+            </a:r>
+            <a:r>
+              <a:rPr lang="en-US" sz="1800" dirty="0" smtClean="0"/>
+              <a:t>;</a:t>
+            </a:r>
+          </a:p>
+          <a:p>
+            <a:pPr algn="l"/>
+            <a:endParaRPr lang="en-US" sz="1800" dirty="0">
               <a:solidFill>
                 <a:srgbClr val="FFC000"/>
               </a:solidFill>
@@ -11246,6 +12629,14 @@
             <a:pPr algn="l"/>
             <a:r>
               <a:rPr lang="en-US" sz="3600" dirty="0" smtClean="0"/>
+              <a:t>Fetching data </a:t>
+            </a:r>
+            <a:r>
+              <a:rPr lang="en-US" sz="3600" smtClean="0"/>
+              <a:t>from server</a:t>
+            </a:r>
+            <a:r>
+              <a:rPr lang="en-US" sz="3600" dirty="0" smtClean="0"/>
               <a:t/>
             </a:r>
             <a:br>
@@ -11273,12 +12664,547 @@
         </p:spPr>
         <p:txBody>
           <a:bodyPr>
-            <a:normAutofit/>
+            <a:noAutofit/>
           </a:bodyPr>
           <a:lstStyle/>
           <a:p>
             <a:pPr algn="l"/>
-            <a:endParaRPr lang="en-US" sz="1600" dirty="0">
+            <a:r>
+              <a:rPr lang="en-US" sz="1200" dirty="0" smtClean="0"/>
+              <a:t/>
+            </a:r>
+            <a:br>
+              <a:rPr lang="en-US" sz="1200" dirty="0" smtClean="0"/>
+            </a:br>
+            <a:r>
+              <a:rPr lang="en-US" sz="1200" dirty="0" smtClean="0"/>
+              <a:t>/* .table{</a:t>
+            </a:r>
+          </a:p>
+          <a:p>
+            <a:pPr algn="l"/>
+            <a:r>
+              <a:rPr lang="en-US" sz="1200" dirty="0" smtClean="0"/>
+              <a:t>    display: table;</a:t>
+            </a:r>
+          </a:p>
+          <a:p>
+            <a:pPr algn="l"/>
+            <a:r>
+              <a:rPr lang="en-US" sz="1200" dirty="0" smtClean="0"/>
+              <a:t>}</a:t>
+            </a:r>
+          </a:p>
+          <a:p>
+            <a:pPr algn="l"/>
+            <a:r>
+              <a:rPr lang="en-US" sz="1200" dirty="0" smtClean="0"/>
+              <a:t/>
+            </a:r>
+            <a:br>
+              <a:rPr lang="en-US" sz="1200" dirty="0" smtClean="0"/>
+            </a:br>
+            <a:r>
+              <a:rPr lang="en-US" sz="1200" dirty="0" smtClean="0"/>
+              <a:t>#employee {</a:t>
+            </a:r>
+          </a:p>
+          <a:p>
+            <a:pPr algn="l"/>
+            <a:r>
+              <a:rPr lang="en-US" sz="1200" dirty="0" smtClean="0"/>
+              <a:t>    font-family: Arial, Helvetica, sans-serif;</a:t>
+            </a:r>
+          </a:p>
+          <a:p>
+            <a:pPr algn="l"/>
+            <a:r>
+              <a:rPr lang="en-US" sz="1200" dirty="0" smtClean="0"/>
+              <a:t>    </a:t>
+            </a:r>
+          </a:p>
+          <a:p>
+            <a:pPr algn="l"/>
+            <a:r>
+              <a:rPr lang="en-US" sz="1200" dirty="0" smtClean="0"/>
+              <a:t>    width: 100%;</a:t>
+            </a:r>
+          </a:p>
+          <a:p>
+            <a:pPr algn="l"/>
+            <a:r>
+              <a:rPr lang="en-US" sz="1200" dirty="0" smtClean="0"/>
+              <a:t>    display: table;</a:t>
+            </a:r>
+          </a:p>
+          <a:p>
+            <a:pPr algn="l"/>
+            <a:r>
+              <a:rPr lang="en-US" sz="1200" dirty="0" smtClean="0"/>
+              <a:t>    border: 2px solid blue;</a:t>
+            </a:r>
+          </a:p>
+          <a:p>
+            <a:pPr algn="l"/>
+            <a:r>
+              <a:rPr lang="en-US" sz="1200" dirty="0" smtClean="0"/>
+              <a:t>  }</a:t>
+            </a:r>
+          </a:p>
+          <a:p>
+            <a:pPr algn="l"/>
+            <a:r>
+              <a:rPr lang="en-US" sz="1200" dirty="0" smtClean="0"/>
+              <a:t>  </a:t>
+            </a:r>
+          </a:p>
+          <a:p>
+            <a:pPr algn="l"/>
+            <a:r>
+              <a:rPr lang="en-US" sz="1200" dirty="0" smtClean="0"/>
+              <a:t>  .row {</a:t>
+            </a:r>
+          </a:p>
+          <a:p>
+            <a:pPr algn="l"/>
+            <a:r>
+              <a:rPr lang="en-US" sz="1200" dirty="0" smtClean="0"/>
+              <a:t>    border: 1px solid </a:t>
+            </a:r>
+            <a:r>
+              <a:rPr lang="en-US" sz="1200" dirty="0" err="1" smtClean="0"/>
+              <a:t>rgb</a:t>
+            </a:r>
+            <a:r>
+              <a:rPr lang="en-US" sz="1200" dirty="0" smtClean="0"/>
+              <a:t>(226, 46, 46);</a:t>
+            </a:r>
+          </a:p>
+          <a:p>
+            <a:pPr algn="l"/>
+            <a:r>
+              <a:rPr lang="en-US" sz="1200" dirty="0" smtClean="0"/>
+              <a:t>    padding: 8px;</a:t>
+            </a:r>
+          </a:p>
+          <a:p>
+            <a:pPr algn="l"/>
+            <a:r>
+              <a:rPr lang="en-US" sz="1200" dirty="0" smtClean="0"/>
+              <a:t>    display: table-row;</a:t>
+            </a:r>
+          </a:p>
+          <a:p>
+            <a:pPr algn="l"/>
+            <a:r>
+              <a:rPr lang="en-US" sz="1200" dirty="0" smtClean="0"/>
+              <a:t>    width: 100%;</a:t>
+            </a:r>
+          </a:p>
+          <a:p>
+            <a:pPr algn="l"/>
+            <a:r>
+              <a:rPr lang="en-US" sz="1200" dirty="0" smtClean="0"/>
+              <a:t>  }</a:t>
+            </a:r>
+          </a:p>
+          <a:p>
+            <a:pPr algn="l"/>
+            <a:r>
+              <a:rPr lang="en-US" sz="1200" dirty="0" smtClean="0"/>
+              <a:t/>
+            </a:r>
+            <a:br>
+              <a:rPr lang="en-US" sz="1200" dirty="0" smtClean="0"/>
+            </a:br>
+            <a:r>
+              <a:rPr lang="en-US" sz="1200" dirty="0" smtClean="0"/>
+              <a:t>  .</a:t>
+            </a:r>
+            <a:r>
+              <a:rPr lang="en-US" sz="1200" dirty="0" err="1" smtClean="0"/>
+              <a:t>col</a:t>
+            </a:r>
+            <a:r>
+              <a:rPr lang="en-US" sz="1200" dirty="0" smtClean="0"/>
+              <a:t> {</a:t>
+            </a:r>
+          </a:p>
+          <a:p>
+            <a:pPr algn="l"/>
+            <a:r>
+              <a:rPr lang="en-US" sz="1200" dirty="0" smtClean="0"/>
+              <a:t>    border: 1px solid #</a:t>
+            </a:r>
+            <a:r>
+              <a:rPr lang="en-US" sz="1200" dirty="0" err="1" smtClean="0"/>
+              <a:t>ddd</a:t>
+            </a:r>
+            <a:r>
+              <a:rPr lang="en-US" sz="1200" dirty="0" smtClean="0"/>
+              <a:t>;</a:t>
+            </a:r>
+          </a:p>
+          <a:p>
+            <a:pPr algn="l"/>
+            <a:r>
+              <a:rPr lang="en-US" sz="1200" dirty="0" smtClean="0"/>
+              <a:t>    padding: 8px;</a:t>
+            </a:r>
+          </a:p>
+          <a:p>
+            <a:pPr algn="l"/>
+            <a:r>
+              <a:rPr lang="en-US" sz="1200" dirty="0" smtClean="0"/>
+              <a:t>    float: left;</a:t>
+            </a:r>
+          </a:p>
+          <a:p>
+            <a:pPr algn="l"/>
+            <a:r>
+              <a:rPr lang="en-US" sz="1200" dirty="0" smtClean="0"/>
+              <a:t>    display: table-column;</a:t>
+            </a:r>
+          </a:p>
+          <a:p>
+            <a:pPr algn="l"/>
+            <a:r>
+              <a:rPr lang="en-US" sz="1200" dirty="0" smtClean="0"/>
+              <a:t>  }</a:t>
+            </a:r>
+          </a:p>
+          <a:p>
+            <a:pPr algn="l"/>
+            <a:r>
+              <a:rPr lang="en-US" sz="1200" dirty="0" smtClean="0"/>
+              <a:t>  </a:t>
+            </a:r>
+          </a:p>
+          <a:p>
+            <a:pPr algn="l"/>
+            <a:r>
+              <a:rPr lang="en-US" sz="1200" dirty="0" smtClean="0"/>
+              <a:t>  .</a:t>
+            </a:r>
+            <a:r>
+              <a:rPr lang="en-US" sz="1200" dirty="0" err="1" smtClean="0"/>
+              <a:t>row:nth</a:t>
+            </a:r>
+            <a:r>
+              <a:rPr lang="en-US" sz="1200" dirty="0" smtClean="0"/>
+              <a:t>-child(even){background-color: #f2f2f2;}</a:t>
+            </a:r>
+          </a:p>
+          <a:p>
+            <a:pPr algn="l"/>
+            <a:r>
+              <a:rPr lang="en-US" sz="1200" dirty="0" smtClean="0"/>
+              <a:t>  </a:t>
+            </a:r>
+          </a:p>
+          <a:p>
+            <a:pPr algn="l"/>
+            <a:r>
+              <a:rPr lang="en-US" sz="1200" dirty="0" smtClean="0"/>
+              <a:t>  .</a:t>
+            </a:r>
+            <a:r>
+              <a:rPr lang="en-US" sz="1200" dirty="0" err="1" smtClean="0"/>
+              <a:t>row:hover</a:t>
+            </a:r>
+            <a:r>
+              <a:rPr lang="en-US" sz="1200" dirty="0" smtClean="0"/>
+              <a:t> {background-color: #</a:t>
+            </a:r>
+            <a:r>
+              <a:rPr lang="en-US" sz="1200" dirty="0" err="1" smtClean="0"/>
+              <a:t>ddd</a:t>
+            </a:r>
+            <a:r>
+              <a:rPr lang="en-US" sz="1200" dirty="0" smtClean="0"/>
+              <a:t>;}</a:t>
+            </a:r>
+          </a:p>
+          <a:p>
+            <a:pPr algn="l"/>
+            <a:r>
+              <a:rPr lang="en-US" sz="1200" dirty="0" smtClean="0"/>
+              <a:t>  </a:t>
+            </a:r>
+          </a:p>
+          <a:p>
+            <a:pPr algn="l"/>
+            <a:r>
+              <a:rPr lang="en-US" sz="1200" dirty="0" smtClean="0"/>
+              <a:t>  .header {</a:t>
+            </a:r>
+          </a:p>
+          <a:p>
+            <a:pPr algn="l"/>
+            <a:r>
+              <a:rPr lang="en-US" sz="1200" dirty="0" smtClean="0"/>
+              <a:t>    padding-top: 12px;</a:t>
+            </a:r>
+          </a:p>
+          <a:p>
+            <a:pPr algn="l"/>
+            <a:r>
+              <a:rPr lang="en-US" sz="1200" dirty="0" smtClean="0"/>
+              <a:t>    padding-bottom: 12px;</a:t>
+            </a:r>
+          </a:p>
+          <a:p>
+            <a:pPr algn="l"/>
+            <a:r>
+              <a:rPr lang="en-US" sz="1200" dirty="0" smtClean="0"/>
+              <a:t>    text-align: left;</a:t>
+            </a:r>
+          </a:p>
+          <a:p>
+            <a:pPr algn="l"/>
+            <a:r>
+              <a:rPr lang="en-US" sz="1200" dirty="0" smtClean="0"/>
+              <a:t>    background-color: #04AA6D;</a:t>
+            </a:r>
+          </a:p>
+          <a:p>
+            <a:pPr algn="l"/>
+            <a:r>
+              <a:rPr lang="en-US" sz="1200" dirty="0" smtClean="0"/>
+              <a:t>    color: white;</a:t>
+            </a:r>
+          </a:p>
+          <a:p>
+            <a:pPr algn="l"/>
+            <a:r>
+              <a:rPr lang="en-US" sz="1200" dirty="0" smtClean="0"/>
+              <a:t>  }</a:t>
+            </a:r>
+          </a:p>
+          <a:p>
+            <a:pPr algn="l"/>
+            <a:r>
+              <a:rPr lang="en-US" sz="1200" dirty="0" smtClean="0"/>
+              <a:t>  </a:t>
+            </a:r>
+          </a:p>
+          <a:p>
+            <a:pPr algn="l"/>
+            <a:r>
+              <a:rPr lang="en-US" sz="1200" dirty="0" smtClean="0"/>
+              <a:t> */</a:t>
+            </a:r>
+          </a:p>
+          <a:p>
+            <a:pPr algn="l"/>
+            <a:r>
+              <a:rPr lang="en-US" sz="1200" dirty="0" smtClean="0"/>
+              <a:t/>
+            </a:r>
+            <a:br>
+              <a:rPr lang="en-US" sz="1200" dirty="0" smtClean="0"/>
+            </a:br>
+            <a:r>
+              <a:rPr lang="en-US" sz="1200" dirty="0" smtClean="0"/>
+              <a:t/>
+            </a:r>
+            <a:br>
+              <a:rPr lang="en-US" sz="1200" dirty="0" smtClean="0"/>
+            </a:br>
+            <a:r>
+              <a:rPr lang="en-US" sz="1200" dirty="0" smtClean="0"/>
+              <a:t>  .table {</a:t>
+            </a:r>
+          </a:p>
+          <a:p>
+            <a:pPr algn="l"/>
+            <a:r>
+              <a:rPr lang="en-US" sz="1200" dirty="0" smtClean="0"/>
+              <a:t>    width: 90%;</a:t>
+            </a:r>
+          </a:p>
+          <a:p>
+            <a:pPr algn="l"/>
+            <a:r>
+              <a:rPr lang="en-US" sz="1200" dirty="0" smtClean="0"/>
+              <a:t>    display: table;</a:t>
+            </a:r>
+          </a:p>
+          <a:p>
+            <a:pPr algn="l"/>
+            <a:r>
+              <a:rPr lang="en-US" sz="1200" dirty="0" smtClean="0"/>
+              <a:t>    margin-left: 2%;</a:t>
+            </a:r>
+          </a:p>
+          <a:p>
+            <a:pPr algn="l"/>
+            <a:r>
+              <a:rPr lang="en-US" sz="1200" dirty="0" smtClean="0"/>
+              <a:t/>
+            </a:r>
+            <a:br>
+              <a:rPr lang="en-US" sz="1200" dirty="0" smtClean="0"/>
+            </a:br>
+            <a:r>
+              <a:rPr lang="en-US" sz="1200" dirty="0" smtClean="0"/>
+              <a:t>  }</a:t>
+            </a:r>
+          </a:p>
+          <a:p>
+            <a:pPr algn="l"/>
+            <a:r>
+              <a:rPr lang="en-US" sz="1200" dirty="0" smtClean="0"/>
+              <a:t>  .row {</a:t>
+            </a:r>
+          </a:p>
+          <a:p>
+            <a:pPr algn="l"/>
+            <a:r>
+              <a:rPr lang="en-US" sz="1200" dirty="0" smtClean="0"/>
+              <a:t>    display: table-row;</a:t>
+            </a:r>
+          </a:p>
+          <a:p>
+            <a:pPr algn="l"/>
+            <a:r>
+              <a:rPr lang="en-US" sz="1200" dirty="0" smtClean="0"/>
+              <a:t>    width: auto;</a:t>
+            </a:r>
+          </a:p>
+          <a:p>
+            <a:pPr algn="l"/>
+            <a:r>
+              <a:rPr lang="en-US" sz="1200" dirty="0" smtClean="0"/>
+              <a:t>    clear: both;</a:t>
+            </a:r>
+          </a:p>
+          <a:p>
+            <a:pPr algn="l"/>
+            <a:r>
+              <a:rPr lang="en-US" sz="1200" dirty="0" smtClean="0"/>
+              <a:t>  }</a:t>
+            </a:r>
+          </a:p>
+          <a:p>
+            <a:pPr algn="l"/>
+            <a:r>
+              <a:rPr lang="en-US" sz="1200" dirty="0" smtClean="0"/>
+              <a:t>  .</a:t>
+            </a:r>
+            <a:r>
+              <a:rPr lang="en-US" sz="1200" dirty="0" err="1" smtClean="0"/>
+              <a:t>col</a:t>
+            </a:r>
+            <a:r>
+              <a:rPr lang="en-US" sz="1200" dirty="0" smtClean="0"/>
+              <a:t> {</a:t>
+            </a:r>
+          </a:p>
+          <a:p>
+            <a:pPr algn="l"/>
+            <a:r>
+              <a:rPr lang="en-US" sz="1200" dirty="0" smtClean="0"/>
+              <a:t>    display: table-cell;</a:t>
+            </a:r>
+          </a:p>
+          <a:p>
+            <a:pPr algn="l"/>
+            <a:r>
+              <a:rPr lang="en-US" sz="1200" dirty="0" smtClean="0"/>
+              <a:t>    padding: 10px;</a:t>
+            </a:r>
+          </a:p>
+          <a:p>
+            <a:pPr algn="l"/>
+            <a:r>
+              <a:rPr lang="en-US" sz="1200" dirty="0" smtClean="0"/>
+              <a:t>    text-align: justify;</a:t>
+            </a:r>
+          </a:p>
+          <a:p>
+            <a:pPr algn="l"/>
+            <a:r>
+              <a:rPr lang="en-US" sz="1200" dirty="0" smtClean="0"/>
+              <a:t>    border: 1px solid black;</a:t>
+            </a:r>
+          </a:p>
+          <a:p>
+            <a:pPr algn="l"/>
+            <a:r>
+              <a:rPr lang="en-US" sz="1200" dirty="0" smtClean="0"/>
+              <a:t>    </a:t>
+            </a:r>
+          </a:p>
+          <a:p>
+            <a:pPr algn="l"/>
+            <a:r>
+              <a:rPr lang="en-US" sz="1200" dirty="0" smtClean="0"/>
+              <a:t>  }</a:t>
+            </a:r>
+          </a:p>
+          <a:p>
+            <a:pPr algn="l"/>
+            <a:r>
+              <a:rPr lang="en-US" sz="1200" dirty="0" smtClean="0"/>
+              <a:t>  </a:t>
+            </a:r>
+          </a:p>
+          <a:p>
+            <a:pPr algn="l"/>
+            <a:r>
+              <a:rPr lang="en-US" sz="1200" dirty="0" smtClean="0"/>
+              <a:t>  .</a:t>
+            </a:r>
+            <a:r>
+              <a:rPr lang="en-US" sz="1200" dirty="0" err="1" smtClean="0"/>
+              <a:t>row:nth</a:t>
+            </a:r>
+            <a:r>
+              <a:rPr lang="en-US" sz="1200" dirty="0" smtClean="0"/>
+              <a:t>-child(even){background-color: #f2f2f2;}</a:t>
+            </a:r>
+          </a:p>
+          <a:p>
+            <a:pPr algn="l"/>
+            <a:r>
+              <a:rPr lang="en-US" sz="1200" dirty="0" smtClean="0"/>
+              <a:t>  </a:t>
+            </a:r>
+          </a:p>
+          <a:p>
+            <a:pPr algn="l"/>
+            <a:r>
+              <a:rPr lang="en-US" sz="1200" dirty="0" smtClean="0"/>
+              <a:t>  .</a:t>
+            </a:r>
+            <a:r>
+              <a:rPr lang="en-US" sz="1200" dirty="0" err="1" smtClean="0"/>
+              <a:t>row:hover</a:t>
+            </a:r>
+            <a:r>
+              <a:rPr lang="en-US" sz="1200" dirty="0" smtClean="0"/>
+              <a:t> {background-color: </a:t>
+            </a:r>
+            <a:r>
+              <a:rPr lang="en-US" sz="1200" dirty="0" err="1" smtClean="0"/>
+              <a:t>rgb</a:t>
+            </a:r>
+            <a:r>
+              <a:rPr lang="en-US" sz="1200" dirty="0" smtClean="0"/>
+              <a:t>(79, 66, 128);}</a:t>
+            </a:r>
+          </a:p>
+          <a:p>
+            <a:pPr algn="l"/>
+            <a:r>
+              <a:rPr lang="en-US" sz="1200" dirty="0" smtClean="0"/>
+              <a:t>  </a:t>
+            </a:r>
+          </a:p>
+          <a:p>
+            <a:pPr algn="l"/>
+            <a:endParaRPr lang="en-US" sz="1200" dirty="0">
               <a:solidFill>
                 <a:srgbClr val="FFC000"/>
               </a:solidFill>
@@ -21476,11 +23402,6 @@
               </a:rPr>
               <a:t> {</a:t>
             </a:r>
-            <a:endParaRPr lang="en-US" sz="1600" dirty="0" smtClean="0">
-              <a:solidFill>
-                <a:srgbClr val="FFC000"/>
-              </a:solidFill>
-            </a:endParaRPr>
           </a:p>
           <a:p>
             <a:pPr algn="l"/>
@@ -38699,11 +40620,11 @@
         <p:spPr>
           <a:xfrm>
             <a:off x="500035" y="285728"/>
-            <a:ext cx="7851648" cy="1000132"/>
+            <a:ext cx="7851648" cy="1214446"/>
           </a:xfrm>
         </p:spPr>
         <p:txBody>
-          <a:bodyPr anchor="t">
+          <a:bodyPr anchor="b">
             <a:normAutofit/>
           </a:bodyPr>
           <a:lstStyle/>
@@ -38711,7 +40632,11 @@
             <a:pPr algn="l"/>
             <a:r>
               <a:rPr lang="en-US" sz="3600" b="0" dirty="0" smtClean="0"/>
-              <a:t>React Router</a:t>
+              <a:t>React </a:t>
+            </a:r>
+            <a:r>
+              <a:rPr lang="en-US" sz="3600" b="0" dirty="0" smtClean="0"/>
+              <a:t>Router</a:t>
             </a:r>
             <a:endParaRPr lang="en-US" sz="3600" b="0" dirty="0"/>
           </a:p>
@@ -39013,19 +40938,12 @@
             </a:r>
             <a:r>
               <a:rPr lang="en-US" sz="1600" dirty="0" smtClean="0"/>
-              <a:t> install react-router-</a:t>
+              <a:t> install --save react-router-</a:t>
             </a:r>
             <a:r>
               <a:rPr lang="en-US" sz="1600" dirty="0" err="1" smtClean="0"/>
               <a:t>dom</a:t>
             </a:r>
-            <a:r>
-              <a:rPr lang="en-US" sz="1600" dirty="0" smtClean="0"/>
-              <a:t> --save   </a:t>
-            </a:r>
-          </a:p>
-          <a:p>
-            <a:pPr algn="l"/>
             <a:endParaRPr lang="en-US" sz="1600" dirty="0">
               <a:solidFill>
                 <a:srgbClr val="FFC000"/>

--- a/React/React.pptx
+++ b/React/React.pptx
@@ -12629,11 +12629,7 @@
             <a:pPr algn="l"/>
             <a:r>
               <a:rPr lang="en-US" sz="3600" dirty="0" smtClean="0"/>
-              <a:t>Fetching data </a:t>
-            </a:r>
-            <a:r>
-              <a:rPr lang="en-US" sz="3600" smtClean="0"/>
-              <a:t>from server</a:t>
+              <a:t>Fetching data</a:t>
             </a:r>
             <a:r>
               <a:rPr lang="en-US" sz="3600" dirty="0" smtClean="0"/>
@@ -13301,7 +13297,7 @@
           </a:xfrm>
         </p:spPr>
         <p:txBody>
-          <a:bodyPr anchor="t">
+          <a:bodyPr anchor="b">
             <a:normAutofit fontScale="90000"/>
           </a:bodyPr>
           <a:lstStyle/>
@@ -13314,6 +13310,10 @@
             <a:br>
               <a:rPr lang="en-US" sz="3600" dirty="0" smtClean="0"/>
             </a:br>
+            <a:r>
+              <a:rPr lang="en-US" sz="3600" dirty="0" smtClean="0"/>
+              <a:t>Create a Form to Save data on server</a:t>
+            </a:r>
             <a:endParaRPr lang="en-US" sz="3600" dirty="0" smtClean="0"/>
           </a:p>
         </p:txBody>
@@ -13336,12 +13336,1567 @@
         </p:spPr>
         <p:txBody>
           <a:bodyPr>
-            <a:normAutofit/>
+            <a:noAutofit/>
           </a:bodyPr>
           <a:lstStyle/>
           <a:p>
             <a:pPr algn="l"/>
-            <a:endParaRPr lang="en-US" sz="1600" dirty="0">
+            <a:r>
+              <a:rPr lang="en-US" sz="2000" dirty="0" smtClean="0"/>
+              <a:t>import React from 'react'</a:t>
+            </a:r>
+          </a:p>
+          <a:p>
+            <a:pPr algn="l"/>
+            <a:r>
+              <a:rPr lang="en-US" sz="2000" dirty="0" smtClean="0"/>
+              <a:t/>
+            </a:r>
+            <a:br>
+              <a:rPr lang="en-US" sz="2000" dirty="0" smtClean="0"/>
+            </a:br>
+            <a:r>
+              <a:rPr lang="en-US" sz="2000" dirty="0" smtClean="0"/>
+              <a:t>import styles from './</a:t>
+            </a:r>
+            <a:r>
+              <a:rPr lang="en-US" sz="2000" dirty="0" err="1" smtClean="0"/>
+              <a:t>emp.form.module.css</a:t>
+            </a:r>
+            <a:r>
+              <a:rPr lang="en-US" sz="2000" dirty="0" smtClean="0"/>
+              <a:t>';</a:t>
+            </a:r>
+          </a:p>
+          <a:p>
+            <a:pPr algn="l"/>
+            <a:r>
+              <a:rPr lang="en-US" sz="2000" dirty="0" smtClean="0"/>
+              <a:t>import </a:t>
+            </a:r>
+            <a:r>
+              <a:rPr lang="en-US" sz="2000" dirty="0" err="1" smtClean="0"/>
+              <a:t>EmployeeList</a:t>
+            </a:r>
+            <a:r>
+              <a:rPr lang="en-US" sz="2000" dirty="0" smtClean="0"/>
+              <a:t> from './</a:t>
+            </a:r>
+            <a:r>
+              <a:rPr lang="en-US" sz="2000" dirty="0" err="1" smtClean="0"/>
+              <a:t>EmployeesList</a:t>
+            </a:r>
+            <a:r>
+              <a:rPr lang="en-US" sz="2000" dirty="0" smtClean="0"/>
+              <a:t>';</a:t>
+            </a:r>
+          </a:p>
+          <a:p>
+            <a:pPr algn="l"/>
+            <a:r>
+              <a:rPr lang="en-US" sz="2000" dirty="0" smtClean="0"/>
+              <a:t/>
+            </a:r>
+            <a:br>
+              <a:rPr lang="en-US" sz="2000" dirty="0" smtClean="0"/>
+            </a:br>
+            <a:r>
+              <a:rPr lang="en-US" sz="2000" dirty="0" smtClean="0"/>
+              <a:t>const API = </a:t>
+            </a:r>
+            <a:r>
+              <a:rPr lang="en-US" sz="2000" dirty="0" err="1" smtClean="0"/>
+              <a:t>process.env.REACT_APP_API</a:t>
+            </a:r>
+            <a:r>
+              <a:rPr lang="en-US" sz="2000" dirty="0" smtClean="0"/>
+              <a:t> || 'http://localhost:8080/rest';</a:t>
+            </a:r>
+          </a:p>
+          <a:p>
+            <a:pPr algn="l"/>
+            <a:r>
+              <a:rPr lang="en-US" sz="2000" dirty="0" smtClean="0"/>
+              <a:t/>
+            </a:r>
+            <a:br>
+              <a:rPr lang="en-US" sz="2000" dirty="0" smtClean="0"/>
+            </a:br>
+            <a:r>
+              <a:rPr lang="en-US" sz="2000" dirty="0" smtClean="0"/>
+              <a:t/>
+            </a:r>
+            <a:br>
+              <a:rPr lang="en-US" sz="2000" dirty="0" smtClean="0"/>
+            </a:br>
+            <a:r>
+              <a:rPr lang="en-US" sz="2000" dirty="0" smtClean="0"/>
+              <a:t>class </a:t>
+            </a:r>
+            <a:r>
+              <a:rPr lang="en-US" sz="2000" dirty="0" err="1" smtClean="0"/>
+              <a:t>EmployeeForm</a:t>
+            </a:r>
+            <a:r>
+              <a:rPr lang="en-US" sz="2000" dirty="0" smtClean="0"/>
+              <a:t> extends </a:t>
+            </a:r>
+            <a:r>
+              <a:rPr lang="en-US" sz="2000" dirty="0" err="1" smtClean="0"/>
+              <a:t>React.Component</a:t>
+            </a:r>
+            <a:r>
+              <a:rPr lang="en-US" sz="2000" dirty="0" smtClean="0"/>
+              <a:t> {</a:t>
+            </a:r>
+          </a:p>
+          <a:p>
+            <a:pPr algn="l"/>
+            <a:r>
+              <a:rPr lang="en-US" sz="2000" dirty="0" smtClean="0"/>
+              <a:t/>
+            </a:r>
+            <a:br>
+              <a:rPr lang="en-US" sz="2000" dirty="0" smtClean="0"/>
+            </a:br>
+            <a:r>
+              <a:rPr lang="en-US" sz="2000" dirty="0" smtClean="0"/>
+              <a:t>  constructor(props) {</a:t>
+            </a:r>
+          </a:p>
+          <a:p>
+            <a:pPr algn="l"/>
+            <a:r>
+              <a:rPr lang="en-US" sz="2000" dirty="0" smtClean="0"/>
+              <a:t>    super(props)</a:t>
+            </a:r>
+          </a:p>
+          <a:p>
+            <a:pPr algn="l"/>
+            <a:r>
+              <a:rPr lang="en-US" sz="2000" dirty="0" smtClean="0"/>
+              <a:t>    </a:t>
+            </a:r>
+            <a:r>
+              <a:rPr lang="en-US" sz="2000" dirty="0" err="1" smtClean="0"/>
+              <a:t>this.state</a:t>
+            </a:r>
+            <a:r>
+              <a:rPr lang="en-US" sz="2000" dirty="0" smtClean="0"/>
+              <a:t> = {</a:t>
+            </a:r>
+          </a:p>
+          <a:p>
+            <a:pPr algn="l"/>
+            <a:r>
+              <a:rPr lang="en-US" sz="2000" dirty="0" smtClean="0"/>
+              <a:t>      loading: true,</a:t>
+            </a:r>
+          </a:p>
+          <a:p>
+            <a:pPr algn="l"/>
+            <a:r>
+              <a:rPr lang="en-US" sz="2000" dirty="0" smtClean="0"/>
+              <a:t>      </a:t>
+            </a:r>
+            <a:r>
+              <a:rPr lang="en-US" sz="2000" dirty="0" err="1" smtClean="0"/>
+              <a:t>emp</a:t>
+            </a:r>
+            <a:r>
+              <a:rPr lang="en-US" sz="2000" dirty="0" smtClean="0"/>
+              <a:t>: {},</a:t>
+            </a:r>
+          </a:p>
+          <a:p>
+            <a:pPr algn="l"/>
+            <a:r>
+              <a:rPr lang="en-US" sz="2000" dirty="0" smtClean="0"/>
+              <a:t>      employees: [],</a:t>
+            </a:r>
+          </a:p>
+          <a:p>
+            <a:pPr algn="l"/>
+            <a:r>
+              <a:rPr lang="en-US" sz="2000" dirty="0" smtClean="0"/>
+              <a:t>      error: null,</a:t>
+            </a:r>
+          </a:p>
+          <a:p>
+            <a:pPr algn="l"/>
+            <a:r>
+              <a:rPr lang="en-US" sz="2000" dirty="0" smtClean="0"/>
+              <a:t>    };</a:t>
+            </a:r>
+          </a:p>
+          <a:p>
+            <a:pPr algn="l"/>
+            <a:r>
+              <a:rPr lang="en-US" sz="2000" dirty="0" smtClean="0"/>
+              <a:t>  }</a:t>
+            </a:r>
+          </a:p>
+          <a:p>
+            <a:pPr algn="l"/>
+            <a:r>
+              <a:rPr lang="en-US" sz="2000" dirty="0" smtClean="0"/>
+              <a:t/>
+            </a:r>
+            <a:br>
+              <a:rPr lang="en-US" sz="2000" dirty="0" smtClean="0"/>
+            </a:br>
+            <a:r>
+              <a:rPr lang="en-US" sz="2000" dirty="0" smtClean="0"/>
+              <a:t>  </a:t>
+            </a:r>
+            <a:r>
+              <a:rPr lang="en-US" sz="2000" dirty="0" err="1" smtClean="0"/>
+              <a:t>componentDidMount</a:t>
+            </a:r>
+            <a:r>
+              <a:rPr lang="en-US" sz="2000" dirty="0" smtClean="0"/>
+              <a:t>() {</a:t>
+            </a:r>
+          </a:p>
+          <a:p>
+            <a:pPr algn="l"/>
+            <a:r>
+              <a:rPr lang="en-US" sz="2000" dirty="0" smtClean="0"/>
+              <a:t>    </a:t>
+            </a:r>
+            <a:r>
+              <a:rPr lang="en-US" sz="2000" dirty="0" err="1" smtClean="0"/>
+              <a:t>this.getEmployees</a:t>
+            </a:r>
+            <a:r>
+              <a:rPr lang="en-US" sz="2000" dirty="0" smtClean="0"/>
+              <a:t>();</a:t>
+            </a:r>
+          </a:p>
+          <a:p>
+            <a:pPr algn="l"/>
+            <a:r>
+              <a:rPr lang="en-US" sz="2000" dirty="0" smtClean="0"/>
+              <a:t>  }</a:t>
+            </a:r>
+          </a:p>
+          <a:p>
+            <a:pPr algn="l"/>
+            <a:r>
+              <a:rPr lang="en-US" sz="2000" dirty="0" smtClean="0"/>
+              <a:t/>
+            </a:r>
+            <a:br>
+              <a:rPr lang="en-US" sz="2000" dirty="0" smtClean="0"/>
+            </a:br>
+            <a:r>
+              <a:rPr lang="en-US" sz="2000" dirty="0" smtClean="0"/>
+              <a:t>  </a:t>
+            </a:r>
+            <a:r>
+              <a:rPr lang="en-US" sz="2000" dirty="0" err="1" smtClean="0"/>
+              <a:t>async</a:t>
+            </a:r>
+            <a:r>
+              <a:rPr lang="en-US" sz="2000" dirty="0" smtClean="0"/>
+              <a:t> </a:t>
+            </a:r>
+            <a:r>
+              <a:rPr lang="en-US" sz="2000" dirty="0" err="1" smtClean="0"/>
+              <a:t>getEmployees</a:t>
+            </a:r>
+            <a:r>
+              <a:rPr lang="en-US" sz="2000" dirty="0" smtClean="0"/>
+              <a:t>() {</a:t>
+            </a:r>
+          </a:p>
+          <a:p>
+            <a:pPr algn="l"/>
+            <a:r>
+              <a:rPr lang="en-US" sz="2000" dirty="0" smtClean="0"/>
+              <a:t>    </a:t>
+            </a:r>
+            <a:r>
+              <a:rPr lang="en-US" sz="2000" dirty="0" err="1" smtClean="0"/>
+              <a:t>this.setState</a:t>
+            </a:r>
+            <a:r>
+              <a:rPr lang="en-US" sz="2000" dirty="0" smtClean="0"/>
+              <a:t>({ loading: false, employees: (await </a:t>
+            </a:r>
+            <a:r>
+              <a:rPr lang="en-US" sz="2000" dirty="0" err="1" smtClean="0"/>
+              <a:t>this.fetch</a:t>
+            </a:r>
+            <a:r>
+              <a:rPr lang="en-US" sz="2000" dirty="0" smtClean="0"/>
+              <a:t>('get', '/employees')) || [] });</a:t>
+            </a:r>
+          </a:p>
+          <a:p>
+            <a:pPr algn="l"/>
+            <a:r>
+              <a:rPr lang="en-US" sz="2000" dirty="0" smtClean="0"/>
+              <a:t>  }</a:t>
+            </a:r>
+          </a:p>
+          <a:p>
+            <a:pPr algn="l"/>
+            <a:r>
+              <a:rPr lang="en-US" sz="2000" dirty="0" smtClean="0"/>
+              <a:t/>
+            </a:r>
+            <a:br>
+              <a:rPr lang="en-US" sz="2000" dirty="0" smtClean="0"/>
+            </a:br>
+            <a:r>
+              <a:rPr lang="en-US" sz="2000" dirty="0" smtClean="0"/>
+              <a:t/>
+            </a:r>
+            <a:br>
+              <a:rPr lang="en-US" sz="2000" dirty="0" smtClean="0"/>
+            </a:br>
+            <a:r>
+              <a:rPr lang="en-US" sz="2000" dirty="0" smtClean="0"/>
+              <a:t>  </a:t>
+            </a:r>
+            <a:r>
+              <a:rPr lang="en-US" sz="2000" dirty="0" err="1" smtClean="0"/>
+              <a:t>saveEmp</a:t>
+            </a:r>
+            <a:r>
+              <a:rPr lang="en-US" sz="2000" dirty="0" smtClean="0"/>
+              <a:t> = </a:t>
+            </a:r>
+            <a:r>
+              <a:rPr lang="en-US" sz="2000" dirty="0" err="1" smtClean="0"/>
+              <a:t>async</a:t>
+            </a:r>
+            <a:r>
+              <a:rPr lang="en-US" sz="2000" dirty="0" smtClean="0"/>
+              <a:t> () =&gt; {</a:t>
+            </a:r>
+          </a:p>
+          <a:p>
+            <a:pPr algn="l"/>
+            <a:r>
+              <a:rPr lang="en-US" sz="2000" dirty="0" smtClean="0"/>
+              <a:t/>
+            </a:r>
+            <a:br>
+              <a:rPr lang="en-US" sz="2000" dirty="0" smtClean="0"/>
+            </a:br>
+            <a:r>
+              <a:rPr lang="en-US" sz="2000" dirty="0" smtClean="0"/>
+              <a:t>    let </a:t>
+            </a:r>
+            <a:r>
+              <a:rPr lang="en-US" sz="2000" dirty="0" err="1" smtClean="0"/>
+              <a:t>emp</a:t>
+            </a:r>
+            <a:r>
+              <a:rPr lang="en-US" sz="2000" dirty="0" smtClean="0"/>
+              <a:t> = </a:t>
+            </a:r>
+            <a:r>
+              <a:rPr lang="en-US" sz="2000" dirty="0" err="1" smtClean="0"/>
+              <a:t>this.state.emp</a:t>
+            </a:r>
+            <a:r>
+              <a:rPr lang="en-US" sz="2000" dirty="0" smtClean="0"/>
+              <a:t>;</a:t>
+            </a:r>
+          </a:p>
+          <a:p>
+            <a:pPr algn="l"/>
+            <a:r>
+              <a:rPr lang="en-US" sz="2000" dirty="0" smtClean="0"/>
+              <a:t>    if (emp.id) {</a:t>
+            </a:r>
+          </a:p>
+          <a:p>
+            <a:pPr algn="l"/>
+            <a:r>
+              <a:rPr lang="en-US" sz="2000" dirty="0" smtClean="0"/>
+              <a:t>      console.log(emp.id)</a:t>
+            </a:r>
+          </a:p>
+          <a:p>
+            <a:pPr algn="l"/>
+            <a:r>
+              <a:rPr lang="en-US" sz="2000" dirty="0" smtClean="0"/>
+              <a:t>      await </a:t>
+            </a:r>
+            <a:r>
+              <a:rPr lang="en-US" sz="2000" dirty="0" err="1" smtClean="0"/>
+              <a:t>this.fetch</a:t>
+            </a:r>
+            <a:r>
+              <a:rPr lang="en-US" sz="2000" dirty="0" smtClean="0"/>
+              <a:t>('put', `/employees/${emp.id}`, </a:t>
+            </a:r>
+            <a:r>
+              <a:rPr lang="en-US" sz="2000" dirty="0" err="1" smtClean="0"/>
+              <a:t>emp</a:t>
+            </a:r>
+            <a:r>
+              <a:rPr lang="en-US" sz="2000" dirty="0" smtClean="0"/>
+              <a:t>);</a:t>
+            </a:r>
+          </a:p>
+          <a:p>
+            <a:pPr algn="l"/>
+            <a:r>
+              <a:rPr lang="en-US" sz="2000" dirty="0" smtClean="0"/>
+              <a:t>    } else {</a:t>
+            </a:r>
+          </a:p>
+          <a:p>
+            <a:pPr algn="l"/>
+            <a:r>
+              <a:rPr lang="en-US" sz="2000" dirty="0" smtClean="0"/>
+              <a:t>      await </a:t>
+            </a:r>
+            <a:r>
+              <a:rPr lang="en-US" sz="2000" dirty="0" err="1" smtClean="0"/>
+              <a:t>this.fetch</a:t>
+            </a:r>
+            <a:r>
+              <a:rPr lang="en-US" sz="2000" dirty="0" smtClean="0"/>
+              <a:t>('post', '/employees', </a:t>
+            </a:r>
+            <a:r>
+              <a:rPr lang="en-US" sz="2000" dirty="0" err="1" smtClean="0"/>
+              <a:t>emp</a:t>
+            </a:r>
+            <a:r>
+              <a:rPr lang="en-US" sz="2000" dirty="0" smtClean="0"/>
+              <a:t>);</a:t>
+            </a:r>
+          </a:p>
+          <a:p>
+            <a:pPr algn="l"/>
+            <a:r>
+              <a:rPr lang="en-US" sz="2000" dirty="0" smtClean="0"/>
+              <a:t>    }</a:t>
+            </a:r>
+          </a:p>
+          <a:p>
+            <a:pPr algn="l"/>
+            <a:r>
+              <a:rPr lang="en-US" sz="2000" dirty="0" smtClean="0"/>
+              <a:t/>
+            </a:r>
+            <a:br>
+              <a:rPr lang="en-US" sz="2000" dirty="0" smtClean="0"/>
+            </a:br>
+            <a:r>
+              <a:rPr lang="en-US" sz="2000" dirty="0" smtClean="0"/>
+              <a:t>    </a:t>
+            </a:r>
+            <a:r>
+              <a:rPr lang="en-US" sz="2000" dirty="0" err="1" smtClean="0"/>
+              <a:t>this.getEmployees</a:t>
+            </a:r>
+            <a:r>
+              <a:rPr lang="en-US" sz="2000" dirty="0" smtClean="0"/>
+              <a:t>();</a:t>
+            </a:r>
+          </a:p>
+          <a:p>
+            <a:pPr algn="l"/>
+            <a:r>
+              <a:rPr lang="en-US" sz="2000" dirty="0" smtClean="0"/>
+              <a:t>  }</a:t>
+            </a:r>
+          </a:p>
+          <a:p>
+            <a:pPr algn="l"/>
+            <a:r>
+              <a:rPr lang="en-US" sz="2000" dirty="0" smtClean="0"/>
+              <a:t/>
+            </a:r>
+            <a:br>
+              <a:rPr lang="en-US" sz="2000" dirty="0" smtClean="0"/>
+            </a:br>
+            <a:r>
+              <a:rPr lang="en-US" sz="2000" dirty="0" smtClean="0"/>
+              <a:t/>
+            </a:r>
+            <a:br>
+              <a:rPr lang="en-US" sz="2000" dirty="0" smtClean="0"/>
+            </a:br>
+            <a:r>
+              <a:rPr lang="en-US" sz="2000" dirty="0" smtClean="0"/>
+              <a:t/>
+            </a:r>
+            <a:br>
+              <a:rPr lang="en-US" sz="2000" dirty="0" smtClean="0"/>
+            </a:br>
+            <a:r>
+              <a:rPr lang="en-US" sz="2000" dirty="0" smtClean="0"/>
+              <a:t>  </a:t>
+            </a:r>
+            <a:r>
+              <a:rPr lang="en-US" sz="2000" dirty="0" err="1" smtClean="0"/>
+              <a:t>async</a:t>
+            </a:r>
+            <a:r>
+              <a:rPr lang="en-US" sz="2000" dirty="0" smtClean="0"/>
+              <a:t> fetch(method, endpoint, body) {</a:t>
+            </a:r>
+          </a:p>
+          <a:p>
+            <a:pPr algn="l"/>
+            <a:r>
+              <a:rPr lang="en-US" sz="2000" dirty="0" smtClean="0"/>
+              <a:t>    try {</a:t>
+            </a:r>
+          </a:p>
+          <a:p>
+            <a:pPr algn="l"/>
+            <a:r>
+              <a:rPr lang="en-US" sz="2000" dirty="0" smtClean="0"/>
+              <a:t>      const response = await fetch(`${API}${endpoint}`, {</a:t>
+            </a:r>
+          </a:p>
+          <a:p>
+            <a:pPr algn="l"/>
+            <a:r>
+              <a:rPr lang="en-US" sz="2000" dirty="0" smtClean="0"/>
+              <a:t>        method,</a:t>
+            </a:r>
+          </a:p>
+          <a:p>
+            <a:pPr algn="l"/>
+            <a:r>
+              <a:rPr lang="en-US" sz="2000" dirty="0" smtClean="0"/>
+              <a:t>        body: body &amp;&amp; </a:t>
+            </a:r>
+            <a:r>
+              <a:rPr lang="en-US" sz="2000" dirty="0" err="1" smtClean="0"/>
+              <a:t>JSON.stringify</a:t>
+            </a:r>
+            <a:r>
+              <a:rPr lang="en-US" sz="2000" dirty="0" smtClean="0"/>
+              <a:t>(body),</a:t>
+            </a:r>
+          </a:p>
+          <a:p>
+            <a:pPr algn="l"/>
+            <a:r>
+              <a:rPr lang="en-US" sz="2000" dirty="0" smtClean="0"/>
+              <a:t>        headers: {</a:t>
+            </a:r>
+          </a:p>
+          <a:p>
+            <a:pPr algn="l"/>
+            <a:r>
+              <a:rPr lang="en-US" sz="2000" dirty="0" smtClean="0"/>
+              <a:t>          'content-type': 'application/</a:t>
+            </a:r>
+            <a:r>
+              <a:rPr lang="en-US" sz="2000" dirty="0" err="1" smtClean="0"/>
+              <a:t>json</a:t>
+            </a:r>
+            <a:r>
+              <a:rPr lang="en-US" sz="2000" dirty="0" smtClean="0"/>
+              <a:t>',</a:t>
+            </a:r>
+          </a:p>
+          <a:p>
+            <a:pPr algn="l"/>
+            <a:r>
+              <a:rPr lang="en-US" sz="2000" dirty="0" smtClean="0"/>
+              <a:t>          accept: 'application/</a:t>
+            </a:r>
+            <a:r>
+              <a:rPr lang="en-US" sz="2000" dirty="0" err="1" smtClean="0"/>
+              <a:t>json</a:t>
+            </a:r>
+            <a:r>
+              <a:rPr lang="en-US" sz="2000" dirty="0" smtClean="0"/>
+              <a:t>',</a:t>
+            </a:r>
+          </a:p>
+          <a:p>
+            <a:pPr algn="l"/>
+            <a:r>
+              <a:rPr lang="en-US" sz="2000" dirty="0" smtClean="0"/>
+              <a:t>          // authorization: `Bearer ${await </a:t>
+            </a:r>
+            <a:r>
+              <a:rPr lang="en-US" sz="2000" dirty="0" err="1" smtClean="0"/>
+              <a:t>this.props.authService.getAccessToken</a:t>
+            </a:r>
+            <a:r>
+              <a:rPr lang="en-US" sz="2000" dirty="0" smtClean="0"/>
+              <a:t>()}`,</a:t>
+            </a:r>
+          </a:p>
+          <a:p>
+            <a:pPr algn="l"/>
+            <a:r>
+              <a:rPr lang="en-US" sz="2000" dirty="0" smtClean="0"/>
+              <a:t>        },</a:t>
+            </a:r>
+          </a:p>
+          <a:p>
+            <a:pPr algn="l"/>
+            <a:r>
+              <a:rPr lang="en-US" sz="2000" dirty="0" smtClean="0"/>
+              <a:t>      });</a:t>
+            </a:r>
+          </a:p>
+          <a:p>
+            <a:pPr algn="l"/>
+            <a:r>
+              <a:rPr lang="en-US" sz="2000" dirty="0" smtClean="0"/>
+              <a:t>      return await </a:t>
+            </a:r>
+            <a:r>
+              <a:rPr lang="en-US" sz="2000" dirty="0" err="1" smtClean="0"/>
+              <a:t>response.json</a:t>
+            </a:r>
+            <a:r>
+              <a:rPr lang="en-US" sz="2000" dirty="0" smtClean="0"/>
+              <a:t>();</a:t>
+            </a:r>
+          </a:p>
+          <a:p>
+            <a:pPr algn="l"/>
+            <a:r>
+              <a:rPr lang="en-US" sz="2000" dirty="0" smtClean="0"/>
+              <a:t>    } catch (error) {</a:t>
+            </a:r>
+          </a:p>
+          <a:p>
+            <a:pPr algn="l"/>
+            <a:r>
+              <a:rPr lang="en-US" sz="2000" dirty="0" smtClean="0"/>
+              <a:t>      </a:t>
+            </a:r>
+            <a:r>
+              <a:rPr lang="en-US" sz="2000" dirty="0" err="1" smtClean="0"/>
+              <a:t>console.error</a:t>
+            </a:r>
+            <a:r>
+              <a:rPr lang="en-US" sz="2000" dirty="0" smtClean="0"/>
+              <a:t>(error);</a:t>
+            </a:r>
+          </a:p>
+          <a:p>
+            <a:pPr algn="l"/>
+            <a:r>
+              <a:rPr lang="en-US" sz="2000" dirty="0" smtClean="0"/>
+              <a:t/>
+            </a:r>
+            <a:br>
+              <a:rPr lang="en-US" sz="2000" dirty="0" smtClean="0"/>
+            </a:br>
+            <a:r>
+              <a:rPr lang="en-US" sz="2000" dirty="0" smtClean="0"/>
+              <a:t>      </a:t>
+            </a:r>
+            <a:r>
+              <a:rPr lang="en-US" sz="2000" dirty="0" err="1" smtClean="0"/>
+              <a:t>this.setState</a:t>
+            </a:r>
+            <a:r>
+              <a:rPr lang="en-US" sz="2000" dirty="0" smtClean="0"/>
+              <a:t>({ error });</a:t>
+            </a:r>
+          </a:p>
+          <a:p>
+            <a:pPr algn="l"/>
+            <a:r>
+              <a:rPr lang="en-US" sz="2000" dirty="0" smtClean="0"/>
+              <a:t>    }</a:t>
+            </a:r>
+          </a:p>
+          <a:p>
+            <a:pPr algn="l"/>
+            <a:r>
+              <a:rPr lang="en-US" sz="2000" dirty="0" smtClean="0"/>
+              <a:t>  }</a:t>
+            </a:r>
+          </a:p>
+          <a:p>
+            <a:pPr algn="l"/>
+            <a:r>
+              <a:rPr lang="en-US" sz="2000" dirty="0" smtClean="0"/>
+              <a:t/>
+            </a:r>
+            <a:br>
+              <a:rPr lang="en-US" sz="2000" dirty="0" smtClean="0"/>
+            </a:br>
+            <a:r>
+              <a:rPr lang="en-US" sz="2000" dirty="0" smtClean="0"/>
+              <a:t>  </a:t>
+            </a:r>
+            <a:r>
+              <a:rPr lang="en-US" sz="2000" dirty="0" err="1" smtClean="0"/>
+              <a:t>handleChange</a:t>
+            </a:r>
+            <a:r>
+              <a:rPr lang="en-US" sz="2000" dirty="0" smtClean="0"/>
+              <a:t> = (event) =&gt; {</a:t>
+            </a:r>
+          </a:p>
+          <a:p>
+            <a:pPr algn="l"/>
+            <a:r>
+              <a:rPr lang="en-US" sz="2000" dirty="0" smtClean="0"/>
+              <a:t>    let e = { [event.target.name]: </a:t>
+            </a:r>
+            <a:r>
+              <a:rPr lang="en-US" sz="2000" dirty="0" err="1" smtClean="0"/>
+              <a:t>event.target.value</a:t>
+            </a:r>
+            <a:r>
+              <a:rPr lang="en-US" sz="2000" dirty="0" smtClean="0"/>
+              <a:t> };</a:t>
+            </a:r>
+          </a:p>
+          <a:p>
+            <a:pPr algn="l"/>
+            <a:r>
+              <a:rPr lang="en-US" sz="2000" dirty="0" smtClean="0"/>
+              <a:t>    console.log(e);</a:t>
+            </a:r>
+          </a:p>
+          <a:p>
+            <a:pPr algn="l"/>
+            <a:r>
+              <a:rPr lang="en-US" sz="2000" dirty="0" smtClean="0"/>
+              <a:t/>
+            </a:r>
+            <a:br>
+              <a:rPr lang="en-US" sz="2000" dirty="0" smtClean="0"/>
+            </a:br>
+            <a:r>
+              <a:rPr lang="en-US" sz="2000" dirty="0" smtClean="0"/>
+              <a:t>    </a:t>
+            </a:r>
+            <a:r>
+              <a:rPr lang="en-US" sz="2000" dirty="0" err="1" smtClean="0"/>
+              <a:t>this.setState</a:t>
+            </a:r>
+            <a:r>
+              <a:rPr lang="en-US" sz="2000" dirty="0" smtClean="0"/>
+              <a:t>(</a:t>
+            </a:r>
+            <a:r>
+              <a:rPr lang="en-US" sz="2000" dirty="0" err="1" smtClean="0"/>
+              <a:t>prevState</a:t>
+            </a:r>
+            <a:r>
+              <a:rPr lang="en-US" sz="2000" dirty="0" smtClean="0"/>
+              <a:t> =&gt; ({</a:t>
+            </a:r>
+          </a:p>
+          <a:p>
+            <a:pPr algn="l"/>
+            <a:r>
+              <a:rPr lang="en-US" sz="2000" dirty="0" smtClean="0"/>
+              <a:t>      </a:t>
+            </a:r>
+            <a:r>
+              <a:rPr lang="en-US" sz="2000" dirty="0" err="1" smtClean="0"/>
+              <a:t>emp</a:t>
+            </a:r>
+            <a:r>
+              <a:rPr lang="en-US" sz="2000" dirty="0" smtClean="0"/>
+              <a:t>: {                   // object that we want to update</a:t>
+            </a:r>
+          </a:p>
+          <a:p>
+            <a:pPr algn="l"/>
+            <a:r>
+              <a:rPr lang="en-US" sz="2000" dirty="0" smtClean="0"/>
+              <a:t>        ...</a:t>
+            </a:r>
+            <a:r>
+              <a:rPr lang="en-US" sz="2000" dirty="0" err="1" smtClean="0"/>
+              <a:t>prevState.emp</a:t>
+            </a:r>
+            <a:r>
+              <a:rPr lang="en-US" sz="2000" dirty="0" smtClean="0"/>
+              <a:t>,    // keep all other key-value pairs</a:t>
+            </a:r>
+          </a:p>
+          <a:p>
+            <a:pPr algn="l"/>
+            <a:r>
+              <a:rPr lang="en-US" sz="2000" dirty="0" smtClean="0"/>
+              <a:t>        [event.target.name]: </a:t>
+            </a:r>
+            <a:r>
+              <a:rPr lang="en-US" sz="2000" dirty="0" err="1" smtClean="0"/>
+              <a:t>event.target.value</a:t>
+            </a:r>
+            <a:r>
+              <a:rPr lang="en-US" sz="2000" dirty="0" smtClean="0"/>
+              <a:t>       // update the value of specific key</a:t>
+            </a:r>
+          </a:p>
+          <a:p>
+            <a:pPr algn="l"/>
+            <a:r>
+              <a:rPr lang="en-US" sz="2000" dirty="0" smtClean="0"/>
+              <a:t>      }</a:t>
+            </a:r>
+          </a:p>
+          <a:p>
+            <a:pPr algn="l"/>
+            <a:r>
+              <a:rPr lang="en-US" sz="2000" dirty="0" smtClean="0"/>
+              <a:t>    }))</a:t>
+            </a:r>
+          </a:p>
+          <a:p>
+            <a:pPr algn="l"/>
+            <a:r>
+              <a:rPr lang="en-US" sz="2000" dirty="0" smtClean="0"/>
+              <a:t>    console.log(</a:t>
+            </a:r>
+            <a:r>
+              <a:rPr lang="en-US" sz="2000" dirty="0" err="1" smtClean="0"/>
+              <a:t>this.state.emp</a:t>
+            </a:r>
+            <a:r>
+              <a:rPr lang="en-US" sz="2000" dirty="0" smtClean="0"/>
+              <a:t>)</a:t>
+            </a:r>
+          </a:p>
+          <a:p>
+            <a:pPr algn="l"/>
+            <a:r>
+              <a:rPr lang="en-US" sz="2000" dirty="0" smtClean="0"/>
+              <a:t>  }</a:t>
+            </a:r>
+          </a:p>
+          <a:p>
+            <a:pPr algn="l"/>
+            <a:r>
+              <a:rPr lang="en-US" sz="2000" dirty="0" smtClean="0"/>
+              <a:t/>
+            </a:r>
+            <a:br>
+              <a:rPr lang="en-US" sz="2000" dirty="0" smtClean="0"/>
+            </a:br>
+            <a:r>
+              <a:rPr lang="en-US" sz="2000" dirty="0" smtClean="0"/>
+              <a:t/>
+            </a:r>
+            <a:br>
+              <a:rPr lang="en-US" sz="2000" dirty="0" smtClean="0"/>
+            </a:br>
+            <a:r>
+              <a:rPr lang="en-US" sz="2000" dirty="0" smtClean="0"/>
+              <a:t>  render() {</a:t>
+            </a:r>
+          </a:p>
+          <a:p>
+            <a:pPr algn="l"/>
+            <a:r>
+              <a:rPr lang="en-US" sz="2000" dirty="0" smtClean="0"/>
+              <a:t>    let </a:t>
+            </a:r>
+            <a:r>
+              <a:rPr lang="en-US" sz="2000" dirty="0" err="1" smtClean="0"/>
+              <a:t>emp</a:t>
+            </a:r>
+            <a:r>
+              <a:rPr lang="en-US" sz="2000" dirty="0" smtClean="0"/>
+              <a:t> = {};</a:t>
+            </a:r>
+          </a:p>
+          <a:p>
+            <a:pPr algn="l"/>
+            <a:r>
+              <a:rPr lang="en-US" sz="2000" dirty="0" smtClean="0"/>
+              <a:t/>
+            </a:r>
+            <a:br>
+              <a:rPr lang="en-US" sz="2000" dirty="0" smtClean="0"/>
+            </a:br>
+            <a:r>
+              <a:rPr lang="en-US" sz="2000" dirty="0" smtClean="0"/>
+              <a:t>    </a:t>
+            </a:r>
+            <a:r>
+              <a:rPr lang="en-US" sz="2000" dirty="0" err="1" smtClean="0"/>
+              <a:t>emp</a:t>
+            </a:r>
+            <a:r>
+              <a:rPr lang="en-US" sz="2000" dirty="0" smtClean="0"/>
+              <a:t> = </a:t>
+            </a:r>
+            <a:r>
+              <a:rPr lang="en-US" sz="2000" dirty="0" err="1" smtClean="0"/>
+              <a:t>this.state.emp</a:t>
+            </a:r>
+            <a:endParaRPr lang="en-US" sz="2000" dirty="0" smtClean="0"/>
+          </a:p>
+          <a:p>
+            <a:pPr algn="l"/>
+            <a:r>
+              <a:rPr lang="en-US" sz="2000" dirty="0" smtClean="0"/>
+              <a:t/>
+            </a:r>
+            <a:br>
+              <a:rPr lang="en-US" sz="2000" dirty="0" smtClean="0"/>
+            </a:br>
+            <a:r>
+              <a:rPr lang="en-US" sz="2000" dirty="0" smtClean="0"/>
+              <a:t>    return (</a:t>
+            </a:r>
+          </a:p>
+          <a:p>
+            <a:pPr algn="l"/>
+            <a:r>
+              <a:rPr lang="en-US" sz="2000" dirty="0" smtClean="0"/>
+              <a:t>      &lt;div&gt;</a:t>
+            </a:r>
+          </a:p>
+          <a:p>
+            <a:pPr algn="l"/>
+            <a:r>
+              <a:rPr lang="en-US" sz="2000" dirty="0" smtClean="0"/>
+              <a:t/>
+            </a:r>
+            <a:br>
+              <a:rPr lang="en-US" sz="2000" dirty="0" smtClean="0"/>
+            </a:br>
+            <a:r>
+              <a:rPr lang="en-US" sz="2000" dirty="0" smtClean="0"/>
+              <a:t>        &lt;form action="http://localhost:8080/rest/employees" method="post"&gt;</a:t>
+            </a:r>
+          </a:p>
+          <a:p>
+            <a:pPr algn="l"/>
+            <a:r>
+              <a:rPr lang="en-US" sz="2000" dirty="0" smtClean="0"/>
+              <a:t>          &lt;div </a:t>
+            </a:r>
+            <a:r>
+              <a:rPr lang="en-US" sz="2000" dirty="0" err="1" smtClean="0"/>
+              <a:t>className</a:t>
+            </a:r>
+            <a:r>
+              <a:rPr lang="en-US" sz="2000" dirty="0" smtClean="0"/>
+              <a:t>={</a:t>
+            </a:r>
+            <a:r>
+              <a:rPr lang="en-US" sz="2000" dirty="0" err="1" smtClean="0"/>
+              <a:t>styles.table</a:t>
+            </a:r>
+            <a:r>
+              <a:rPr lang="en-US" sz="2000" dirty="0" smtClean="0"/>
+              <a:t>}&gt;</a:t>
+            </a:r>
+          </a:p>
+          <a:p>
+            <a:pPr algn="l"/>
+            <a:r>
+              <a:rPr lang="en-US" sz="2000" dirty="0" smtClean="0"/>
+              <a:t>            &lt;div </a:t>
+            </a:r>
+            <a:r>
+              <a:rPr lang="en-US" sz="2000" dirty="0" err="1" smtClean="0"/>
+              <a:t>className</a:t>
+            </a:r>
+            <a:r>
+              <a:rPr lang="en-US" sz="2000" dirty="0" smtClean="0"/>
+              <a:t>={styles.row}&gt;</a:t>
+            </a:r>
+          </a:p>
+          <a:p>
+            <a:pPr algn="l"/>
+            <a:r>
+              <a:rPr lang="en-US" sz="2000" dirty="0" smtClean="0"/>
+              <a:t>              &lt;div </a:t>
+            </a:r>
+            <a:r>
+              <a:rPr lang="en-US" sz="2000" dirty="0" err="1" smtClean="0"/>
+              <a:t>className</a:t>
+            </a:r>
+            <a:r>
+              <a:rPr lang="en-US" sz="2000" dirty="0" smtClean="0"/>
+              <a:t>={</a:t>
+            </a:r>
+            <a:r>
+              <a:rPr lang="en-US" sz="2000" dirty="0" err="1" smtClean="0"/>
+              <a:t>styles.column</a:t>
+            </a:r>
+            <a:r>
+              <a:rPr lang="en-US" sz="2000" dirty="0" smtClean="0"/>
+              <a:t>}&gt;</a:t>
+            </a:r>
+          </a:p>
+          <a:p>
+            <a:pPr algn="l"/>
+            <a:r>
+              <a:rPr lang="en-US" sz="2000" dirty="0" smtClean="0"/>
+              <a:t>                &lt;label&gt; ID&lt;/label&gt;</a:t>
+            </a:r>
+          </a:p>
+          <a:p>
+            <a:pPr algn="l"/>
+            <a:r>
+              <a:rPr lang="en-US" sz="2000" dirty="0" smtClean="0"/>
+              <a:t>              &lt;/div&gt;</a:t>
+            </a:r>
+          </a:p>
+          <a:p>
+            <a:pPr algn="l"/>
+            <a:r>
+              <a:rPr lang="en-US" sz="2000" dirty="0" smtClean="0"/>
+              <a:t>              &lt;div </a:t>
+            </a:r>
+            <a:r>
+              <a:rPr lang="en-US" sz="2000" dirty="0" err="1" smtClean="0"/>
+              <a:t>className</a:t>
+            </a:r>
+            <a:r>
+              <a:rPr lang="en-US" sz="2000" dirty="0" smtClean="0"/>
+              <a:t>={</a:t>
+            </a:r>
+            <a:r>
+              <a:rPr lang="en-US" sz="2000" dirty="0" err="1" smtClean="0"/>
+              <a:t>styles.column</a:t>
+            </a:r>
+            <a:r>
+              <a:rPr lang="en-US" sz="2000" dirty="0" smtClean="0"/>
+              <a:t>}&gt;</a:t>
+            </a:r>
+          </a:p>
+          <a:p>
+            <a:pPr algn="l"/>
+            <a:r>
+              <a:rPr lang="en-US" sz="2000" dirty="0" smtClean="0"/>
+              <a:t>                &lt;input type="text" name="id" id="id" </a:t>
+            </a:r>
+            <a:r>
+              <a:rPr lang="en-US" sz="2000" dirty="0" err="1" smtClean="0"/>
+              <a:t>onChange</a:t>
+            </a:r>
+            <a:r>
+              <a:rPr lang="en-US" sz="2000" dirty="0" smtClean="0"/>
+              <a:t>={</a:t>
+            </a:r>
+            <a:r>
+              <a:rPr lang="en-US" sz="2000" dirty="0" err="1" smtClean="0"/>
+              <a:t>this.handleChange</a:t>
+            </a:r>
+            <a:r>
+              <a:rPr lang="en-US" sz="2000" dirty="0" smtClean="0"/>
+              <a:t>} /&gt;</a:t>
+            </a:r>
+          </a:p>
+          <a:p>
+            <a:pPr algn="l"/>
+            <a:r>
+              <a:rPr lang="en-US" sz="2000" dirty="0" smtClean="0"/>
+              <a:t>              &lt;/div&gt;</a:t>
+            </a:r>
+          </a:p>
+          <a:p>
+            <a:pPr algn="l"/>
+            <a:r>
+              <a:rPr lang="en-US" sz="2000" dirty="0" smtClean="0"/>
+              <a:t>            &lt;/div&gt;</a:t>
+            </a:r>
+          </a:p>
+          <a:p>
+            <a:pPr algn="l"/>
+            <a:r>
+              <a:rPr lang="en-US" sz="2000" dirty="0" smtClean="0"/>
+              <a:t>            &lt;div </a:t>
+            </a:r>
+            <a:r>
+              <a:rPr lang="en-US" sz="2000" dirty="0" err="1" smtClean="0"/>
+              <a:t>className</a:t>
+            </a:r>
+            <a:r>
+              <a:rPr lang="en-US" sz="2000" dirty="0" smtClean="0"/>
+              <a:t>={styles.row}&gt;</a:t>
+            </a:r>
+          </a:p>
+          <a:p>
+            <a:pPr algn="l"/>
+            <a:r>
+              <a:rPr lang="en-US" sz="2000" dirty="0" smtClean="0"/>
+              <a:t>              &lt;div </a:t>
+            </a:r>
+            <a:r>
+              <a:rPr lang="en-US" sz="2000" dirty="0" err="1" smtClean="0"/>
+              <a:t>className</a:t>
+            </a:r>
+            <a:r>
+              <a:rPr lang="en-US" sz="2000" dirty="0" smtClean="0"/>
+              <a:t>={</a:t>
+            </a:r>
+            <a:r>
+              <a:rPr lang="en-US" sz="2000" dirty="0" err="1" smtClean="0"/>
+              <a:t>styles.column</a:t>
+            </a:r>
+            <a:r>
+              <a:rPr lang="en-US" sz="2000" dirty="0" smtClean="0"/>
+              <a:t>}&gt;</a:t>
+            </a:r>
+          </a:p>
+          <a:p>
+            <a:pPr algn="l"/>
+            <a:r>
+              <a:rPr lang="en-US" sz="2000" dirty="0" smtClean="0"/>
+              <a:t>                &lt;label&gt; First Name&lt;/label&gt;</a:t>
+            </a:r>
+          </a:p>
+          <a:p>
+            <a:pPr algn="l"/>
+            <a:r>
+              <a:rPr lang="en-US" sz="2000" dirty="0" smtClean="0"/>
+              <a:t>              &lt;/div&gt;</a:t>
+            </a:r>
+          </a:p>
+          <a:p>
+            <a:pPr algn="l"/>
+            <a:r>
+              <a:rPr lang="en-US" sz="2000" dirty="0" smtClean="0"/>
+              <a:t>              &lt;div </a:t>
+            </a:r>
+            <a:r>
+              <a:rPr lang="en-US" sz="2000" dirty="0" err="1" smtClean="0"/>
+              <a:t>className</a:t>
+            </a:r>
+            <a:r>
+              <a:rPr lang="en-US" sz="2000" dirty="0" smtClean="0"/>
+              <a:t>={</a:t>
+            </a:r>
+            <a:r>
+              <a:rPr lang="en-US" sz="2000" dirty="0" err="1" smtClean="0"/>
+              <a:t>styles.column</a:t>
+            </a:r>
+            <a:r>
+              <a:rPr lang="en-US" sz="2000" dirty="0" smtClean="0"/>
+              <a:t>}&gt;</a:t>
+            </a:r>
+          </a:p>
+          <a:p>
+            <a:pPr algn="l"/>
+            <a:r>
+              <a:rPr lang="en-US" sz="2000" dirty="0" smtClean="0"/>
+              <a:t>                &lt;input type="text" name="</a:t>
+            </a:r>
+            <a:r>
+              <a:rPr lang="en-US" sz="2000" dirty="0" err="1" smtClean="0"/>
+              <a:t>firstName</a:t>
+            </a:r>
+            <a:r>
+              <a:rPr lang="en-US" sz="2000" dirty="0" smtClean="0"/>
+              <a:t>" id="</a:t>
+            </a:r>
+            <a:r>
+              <a:rPr lang="en-US" sz="2000" dirty="0" err="1" smtClean="0"/>
+              <a:t>firstName</a:t>
+            </a:r>
+            <a:r>
+              <a:rPr lang="en-US" sz="2000" dirty="0" smtClean="0"/>
+              <a:t>" </a:t>
+            </a:r>
+            <a:r>
+              <a:rPr lang="en-US" sz="2000" dirty="0" err="1" smtClean="0"/>
+              <a:t>onChange</a:t>
+            </a:r>
+            <a:r>
+              <a:rPr lang="en-US" sz="2000" dirty="0" smtClean="0"/>
+              <a:t>={</a:t>
+            </a:r>
+            <a:r>
+              <a:rPr lang="en-US" sz="2000" dirty="0" err="1" smtClean="0"/>
+              <a:t>this.handleChange</a:t>
+            </a:r>
+            <a:r>
+              <a:rPr lang="en-US" sz="2000" dirty="0" smtClean="0"/>
+              <a:t>} /&gt;</a:t>
+            </a:r>
+          </a:p>
+          <a:p>
+            <a:pPr algn="l"/>
+            <a:r>
+              <a:rPr lang="en-US" sz="2000" dirty="0" smtClean="0"/>
+              <a:t>              &lt;/div&gt;</a:t>
+            </a:r>
+          </a:p>
+          <a:p>
+            <a:pPr algn="l"/>
+            <a:r>
+              <a:rPr lang="en-US" sz="2000" dirty="0" smtClean="0"/>
+              <a:t>            &lt;/div&gt;</a:t>
+            </a:r>
+          </a:p>
+          <a:p>
+            <a:pPr algn="l"/>
+            <a:r>
+              <a:rPr lang="en-US" sz="2000" dirty="0" smtClean="0"/>
+              <a:t>            &lt;div </a:t>
+            </a:r>
+            <a:r>
+              <a:rPr lang="en-US" sz="2000" dirty="0" err="1" smtClean="0"/>
+              <a:t>className</a:t>
+            </a:r>
+            <a:r>
+              <a:rPr lang="en-US" sz="2000" dirty="0" smtClean="0"/>
+              <a:t>={styles.row}&gt;</a:t>
+            </a:r>
+          </a:p>
+          <a:p>
+            <a:pPr algn="l"/>
+            <a:r>
+              <a:rPr lang="en-US" sz="2000" dirty="0" smtClean="0"/>
+              <a:t>              &lt;div </a:t>
+            </a:r>
+            <a:r>
+              <a:rPr lang="en-US" sz="2000" dirty="0" err="1" smtClean="0"/>
+              <a:t>className</a:t>
+            </a:r>
+            <a:r>
+              <a:rPr lang="en-US" sz="2000" dirty="0" smtClean="0"/>
+              <a:t>={</a:t>
+            </a:r>
+            <a:r>
+              <a:rPr lang="en-US" sz="2000" dirty="0" err="1" smtClean="0"/>
+              <a:t>styles.column</a:t>
+            </a:r>
+            <a:r>
+              <a:rPr lang="en-US" sz="2000" dirty="0" smtClean="0"/>
+              <a:t>}&gt;</a:t>
+            </a:r>
+          </a:p>
+          <a:p>
+            <a:pPr algn="l"/>
+            <a:r>
+              <a:rPr lang="en-US" sz="2000" dirty="0" smtClean="0"/>
+              <a:t>                &lt;label&gt;Last Name&lt;/label&gt;</a:t>
+            </a:r>
+          </a:p>
+          <a:p>
+            <a:pPr algn="l"/>
+            <a:r>
+              <a:rPr lang="en-US" sz="2000" dirty="0" smtClean="0"/>
+              <a:t>              &lt;/div&gt;</a:t>
+            </a:r>
+          </a:p>
+          <a:p>
+            <a:pPr algn="l"/>
+            <a:r>
+              <a:rPr lang="en-US" sz="2000" dirty="0" smtClean="0"/>
+              <a:t>              &lt;div </a:t>
+            </a:r>
+            <a:r>
+              <a:rPr lang="en-US" sz="2000" dirty="0" err="1" smtClean="0"/>
+              <a:t>className</a:t>
+            </a:r>
+            <a:r>
+              <a:rPr lang="en-US" sz="2000" dirty="0" smtClean="0"/>
+              <a:t>={</a:t>
+            </a:r>
+            <a:r>
+              <a:rPr lang="en-US" sz="2000" dirty="0" err="1" smtClean="0"/>
+              <a:t>styles.column</a:t>
+            </a:r>
+            <a:r>
+              <a:rPr lang="en-US" sz="2000" dirty="0" smtClean="0"/>
+              <a:t>}&gt;</a:t>
+            </a:r>
+          </a:p>
+          <a:p>
+            <a:pPr algn="l"/>
+            <a:r>
+              <a:rPr lang="en-US" sz="2000" dirty="0" smtClean="0"/>
+              <a:t>                &lt;input type="text" name="</a:t>
+            </a:r>
+            <a:r>
+              <a:rPr lang="en-US" sz="2000" dirty="0" err="1" smtClean="0"/>
+              <a:t>lastName</a:t>
+            </a:r>
+            <a:r>
+              <a:rPr lang="en-US" sz="2000" dirty="0" smtClean="0"/>
+              <a:t>" id="</a:t>
+            </a:r>
+            <a:r>
+              <a:rPr lang="en-US" sz="2000" dirty="0" err="1" smtClean="0"/>
+              <a:t>lastName</a:t>
+            </a:r>
+            <a:r>
+              <a:rPr lang="en-US" sz="2000" dirty="0" smtClean="0"/>
+              <a:t>" </a:t>
+            </a:r>
+            <a:r>
+              <a:rPr lang="en-US" sz="2000" dirty="0" err="1" smtClean="0"/>
+              <a:t>onChange</a:t>
+            </a:r>
+            <a:r>
+              <a:rPr lang="en-US" sz="2000" dirty="0" smtClean="0"/>
+              <a:t>={</a:t>
+            </a:r>
+            <a:r>
+              <a:rPr lang="en-US" sz="2000" dirty="0" err="1" smtClean="0"/>
+              <a:t>this.handleChange</a:t>
+            </a:r>
+            <a:r>
+              <a:rPr lang="en-US" sz="2000" dirty="0" smtClean="0"/>
+              <a:t>} /&gt;</a:t>
+            </a:r>
+          </a:p>
+          <a:p>
+            <a:pPr algn="l"/>
+            <a:r>
+              <a:rPr lang="en-US" sz="2000" dirty="0" smtClean="0"/>
+              <a:t>              &lt;/div&gt;</a:t>
+            </a:r>
+          </a:p>
+          <a:p>
+            <a:pPr algn="l"/>
+            <a:r>
+              <a:rPr lang="en-US" sz="2000" dirty="0" smtClean="0"/>
+              <a:t>            &lt;/div&gt;</a:t>
+            </a:r>
+          </a:p>
+          <a:p>
+            <a:pPr algn="l"/>
+            <a:r>
+              <a:rPr lang="en-US" sz="2000" dirty="0" smtClean="0"/>
+              <a:t>            &lt;div </a:t>
+            </a:r>
+            <a:r>
+              <a:rPr lang="en-US" sz="2000" dirty="0" err="1" smtClean="0"/>
+              <a:t>className</a:t>
+            </a:r>
+            <a:r>
+              <a:rPr lang="en-US" sz="2000" dirty="0" smtClean="0"/>
+              <a:t>={styles.row}&gt;</a:t>
+            </a:r>
+          </a:p>
+          <a:p>
+            <a:pPr algn="l"/>
+            <a:r>
+              <a:rPr lang="en-US" sz="2000" dirty="0" smtClean="0"/>
+              <a:t>              &lt;div </a:t>
+            </a:r>
+            <a:r>
+              <a:rPr lang="en-US" sz="2000" dirty="0" err="1" smtClean="0"/>
+              <a:t>className</a:t>
+            </a:r>
+            <a:r>
+              <a:rPr lang="en-US" sz="2000" dirty="0" smtClean="0"/>
+              <a:t>={</a:t>
+            </a:r>
+            <a:r>
+              <a:rPr lang="en-US" sz="2000" dirty="0" err="1" smtClean="0"/>
+              <a:t>styles.column</a:t>
+            </a:r>
+            <a:r>
+              <a:rPr lang="en-US" sz="2000" dirty="0" smtClean="0"/>
+              <a:t>}&gt;</a:t>
+            </a:r>
+          </a:p>
+          <a:p>
+            <a:pPr algn="l"/>
+            <a:r>
+              <a:rPr lang="en-US" sz="2000" dirty="0" smtClean="0"/>
+              <a:t>                &lt;input type="button" value="Save" </a:t>
+            </a:r>
+            <a:r>
+              <a:rPr lang="en-US" sz="2000" dirty="0" err="1" smtClean="0"/>
+              <a:t>onClick</a:t>
+            </a:r>
+            <a:r>
+              <a:rPr lang="en-US" sz="2000" dirty="0" smtClean="0"/>
+              <a:t>={</a:t>
+            </a:r>
+            <a:r>
+              <a:rPr lang="en-US" sz="2000" dirty="0" err="1" smtClean="0"/>
+              <a:t>this.saveEmp</a:t>
+            </a:r>
+            <a:r>
+              <a:rPr lang="en-US" sz="2000" dirty="0" smtClean="0"/>
+              <a:t>} /&gt;</a:t>
+            </a:r>
+          </a:p>
+          <a:p>
+            <a:pPr algn="l"/>
+            <a:r>
+              <a:rPr lang="en-US" sz="2000" dirty="0" smtClean="0"/>
+              <a:t>              &lt;/div&gt;</a:t>
+            </a:r>
+          </a:p>
+          <a:p>
+            <a:pPr algn="l"/>
+            <a:r>
+              <a:rPr lang="en-US" sz="2000" dirty="0" smtClean="0"/>
+              <a:t>              &lt;div </a:t>
+            </a:r>
+            <a:r>
+              <a:rPr lang="en-US" sz="2000" dirty="0" err="1" smtClean="0"/>
+              <a:t>className</a:t>
+            </a:r>
+            <a:r>
+              <a:rPr lang="en-US" sz="2000" dirty="0" smtClean="0"/>
+              <a:t>={</a:t>
+            </a:r>
+            <a:r>
+              <a:rPr lang="en-US" sz="2000" dirty="0" err="1" smtClean="0"/>
+              <a:t>styles.column</a:t>
+            </a:r>
+            <a:r>
+              <a:rPr lang="en-US" sz="2000" dirty="0" smtClean="0"/>
+              <a:t>}&gt;</a:t>
+            </a:r>
+          </a:p>
+          <a:p>
+            <a:pPr algn="l"/>
+            <a:r>
+              <a:rPr lang="en-US" sz="2000" dirty="0" smtClean="0"/>
+              <a:t>                &lt;input type="button" value="Update" </a:t>
+            </a:r>
+            <a:r>
+              <a:rPr lang="en-US" sz="2000" dirty="0" err="1" smtClean="0"/>
+              <a:t>onClick</a:t>
+            </a:r>
+            <a:r>
+              <a:rPr lang="en-US" sz="2000" dirty="0" smtClean="0"/>
+              <a:t>={</a:t>
+            </a:r>
+            <a:r>
+              <a:rPr lang="en-US" sz="2000" dirty="0" err="1" smtClean="0"/>
+              <a:t>this.saveEmp</a:t>
+            </a:r>
+            <a:r>
+              <a:rPr lang="en-US" sz="2000" dirty="0" smtClean="0"/>
+              <a:t>} /&gt;</a:t>
+            </a:r>
+          </a:p>
+          <a:p>
+            <a:pPr algn="l"/>
+            <a:r>
+              <a:rPr lang="en-US" sz="2000" dirty="0" smtClean="0"/>
+              <a:t>              &lt;/div&gt;</a:t>
+            </a:r>
+          </a:p>
+          <a:p>
+            <a:pPr algn="l"/>
+            <a:r>
+              <a:rPr lang="en-US" sz="2000" dirty="0" smtClean="0"/>
+              <a:t>            &lt;/div&gt;</a:t>
+            </a:r>
+          </a:p>
+          <a:p>
+            <a:pPr algn="l"/>
+            <a:r>
+              <a:rPr lang="en-US" sz="2000" dirty="0" smtClean="0"/>
+              <a:t>          &lt;/div&gt;</a:t>
+            </a:r>
+          </a:p>
+          <a:p>
+            <a:pPr algn="l"/>
+            <a:r>
+              <a:rPr lang="en-US" sz="2000" dirty="0" smtClean="0"/>
+              <a:t>        &lt;/form&gt;</a:t>
+            </a:r>
+          </a:p>
+          <a:p>
+            <a:pPr algn="l"/>
+            <a:r>
+              <a:rPr lang="en-US" sz="2000" dirty="0" smtClean="0"/>
+              <a:t>        &lt;div&gt;</a:t>
+            </a:r>
+          </a:p>
+          <a:p>
+            <a:pPr algn="l"/>
+            <a:r>
+              <a:rPr lang="en-US" sz="2000" dirty="0" smtClean="0"/>
+              <a:t>          &lt;</a:t>
+            </a:r>
+            <a:r>
+              <a:rPr lang="en-US" sz="2000" dirty="0" err="1" smtClean="0"/>
+              <a:t>EmployeeList</a:t>
+            </a:r>
+            <a:r>
+              <a:rPr lang="en-US" sz="2000" dirty="0" smtClean="0"/>
+              <a:t> employees={</a:t>
+            </a:r>
+            <a:r>
+              <a:rPr lang="en-US" sz="2000" dirty="0" err="1" smtClean="0"/>
+              <a:t>this.state.employees</a:t>
+            </a:r>
+            <a:r>
+              <a:rPr lang="en-US" sz="2000" dirty="0" smtClean="0"/>
+              <a:t>} /&gt;</a:t>
+            </a:r>
+          </a:p>
+          <a:p>
+            <a:pPr algn="l"/>
+            <a:r>
+              <a:rPr lang="en-US" sz="2000" dirty="0" smtClean="0"/>
+              <a:t>        &lt;/div&gt;</a:t>
+            </a:r>
+          </a:p>
+          <a:p>
+            <a:pPr algn="l"/>
+            <a:r>
+              <a:rPr lang="en-US" sz="2000" dirty="0" smtClean="0"/>
+              <a:t>      &lt;/div&gt;</a:t>
+            </a:r>
+          </a:p>
+          <a:p>
+            <a:pPr algn="l"/>
+            <a:r>
+              <a:rPr lang="en-US" sz="2000" dirty="0" smtClean="0"/>
+              <a:t>    )</a:t>
+            </a:r>
+          </a:p>
+          <a:p>
+            <a:pPr algn="l"/>
+            <a:r>
+              <a:rPr lang="en-US" sz="2000" dirty="0" smtClean="0"/>
+              <a:t>  }</a:t>
+            </a:r>
+          </a:p>
+          <a:p>
+            <a:pPr algn="l"/>
+            <a:r>
+              <a:rPr lang="en-US" sz="2000" dirty="0" smtClean="0"/>
+              <a:t>}</a:t>
+            </a:r>
+          </a:p>
+          <a:p>
+            <a:pPr algn="l"/>
+            <a:r>
+              <a:rPr lang="en-US" sz="2000" dirty="0" smtClean="0"/>
+              <a:t/>
+            </a:r>
+            <a:br>
+              <a:rPr lang="en-US" sz="2000" dirty="0" smtClean="0"/>
+            </a:br>
+            <a:r>
+              <a:rPr lang="en-US" sz="2000" dirty="0" smtClean="0"/>
+              <a:t>export default </a:t>
+            </a:r>
+            <a:r>
+              <a:rPr lang="en-US" sz="2000" dirty="0" err="1" smtClean="0"/>
+              <a:t>EmployeeForm</a:t>
+            </a:r>
+            <a:r>
+              <a:rPr lang="en-US" sz="2000" dirty="0" smtClean="0"/>
+              <a:t>;</a:t>
+            </a:r>
+          </a:p>
+          <a:p>
+            <a:pPr algn="l"/>
+            <a:endParaRPr lang="en-US" sz="2000" dirty="0">
               <a:solidFill>
                 <a:srgbClr val="FFC000"/>
               </a:solidFill>
@@ -13445,6 +15000,10 @@
           <a:p>
             <a:pPr algn="l"/>
             <a:r>
+              <a:rPr lang="en-US" sz="3600" dirty="0" err="1" smtClean="0"/>
+              <a:t>Emp.form.module.css</a:t>
+            </a:r>
+            <a:r>
               <a:rPr lang="en-US" sz="3600" dirty="0" smtClean="0"/>
               <a:t/>
             </a:r>
@@ -13473,9 +15032,167 @@
         </p:spPr>
         <p:txBody>
           <a:bodyPr>
-            <a:normAutofit/>
+            <a:normAutofit fontScale="77500" lnSpcReduction="20000"/>
           </a:bodyPr>
           <a:lstStyle/>
+          <a:p>
+            <a:pPr algn="l"/>
+            <a:r>
+              <a:rPr lang="en-US" sz="1600" dirty="0" smtClean="0"/>
+              <a:t/>
+            </a:r>
+            <a:br>
+              <a:rPr lang="en-US" sz="1600" dirty="0" smtClean="0"/>
+            </a:br>
+            <a:r>
+              <a:rPr lang="en-US" sz="1600" dirty="0" smtClean="0"/>
+              <a:t/>
+            </a:r>
+            <a:br>
+              <a:rPr lang="en-US" sz="1600" dirty="0" smtClean="0"/>
+            </a:br>
+            <a:r>
+              <a:rPr lang="en-US" sz="1600" dirty="0" smtClean="0"/>
+              <a:t> .table {</a:t>
+            </a:r>
+          </a:p>
+          <a:p>
+            <a:pPr algn="l"/>
+            <a:r>
+              <a:rPr lang="en-US" sz="1600" dirty="0" smtClean="0"/>
+              <a:t>    width: 40%;</a:t>
+            </a:r>
+          </a:p>
+          <a:p>
+            <a:pPr algn="l"/>
+            <a:r>
+              <a:rPr lang="en-US" sz="1600" dirty="0" smtClean="0"/>
+              <a:t>    display: table;</a:t>
+            </a:r>
+          </a:p>
+          <a:p>
+            <a:pPr algn="l"/>
+            <a:r>
+              <a:rPr lang="en-US" sz="1600" dirty="0" smtClean="0"/>
+              <a:t>    margin-left: 20%;</a:t>
+            </a:r>
+          </a:p>
+          <a:p>
+            <a:pPr algn="l"/>
+            <a:r>
+              <a:rPr lang="en-US" sz="1600" dirty="0" smtClean="0"/>
+              <a:t>    margin-top: 2%;</a:t>
+            </a:r>
+          </a:p>
+          <a:p>
+            <a:pPr algn="l"/>
+            <a:r>
+              <a:rPr lang="en-US" sz="1600" dirty="0" smtClean="0"/>
+              <a:t>    border: 1px solid black;</a:t>
+            </a:r>
+          </a:p>
+          <a:p>
+            <a:pPr algn="l"/>
+            <a:r>
+              <a:rPr lang="en-US" sz="1600" dirty="0" smtClean="0"/>
+              <a:t>  }</a:t>
+            </a:r>
+          </a:p>
+          <a:p>
+            <a:pPr algn="l"/>
+            <a:r>
+              <a:rPr lang="en-US" sz="1600" dirty="0" smtClean="0"/>
+              <a:t>  .row {</a:t>
+            </a:r>
+          </a:p>
+          <a:p>
+            <a:pPr algn="l"/>
+            <a:r>
+              <a:rPr lang="en-US" sz="1600" dirty="0" smtClean="0"/>
+              <a:t>    display: table-row;</a:t>
+            </a:r>
+          </a:p>
+          <a:p>
+            <a:pPr algn="l"/>
+            <a:r>
+              <a:rPr lang="en-US" sz="1600" dirty="0" smtClean="0"/>
+              <a:t>    width: auto;</a:t>
+            </a:r>
+          </a:p>
+          <a:p>
+            <a:pPr algn="l"/>
+            <a:r>
+              <a:rPr lang="en-US" sz="1600" dirty="0" smtClean="0"/>
+              <a:t>    clear: both;</a:t>
+            </a:r>
+          </a:p>
+          <a:p>
+            <a:pPr algn="l"/>
+            <a:r>
+              <a:rPr lang="en-US" sz="1600" dirty="0" smtClean="0"/>
+              <a:t>  }</a:t>
+            </a:r>
+          </a:p>
+          <a:p>
+            <a:pPr algn="l"/>
+            <a:r>
+              <a:rPr lang="en-US" sz="1600" dirty="0" smtClean="0"/>
+              <a:t>  .column {</a:t>
+            </a:r>
+          </a:p>
+          <a:p>
+            <a:pPr algn="l"/>
+            <a:r>
+              <a:rPr lang="en-US" sz="1600" dirty="0" smtClean="0"/>
+              <a:t>    display: table-cell;</a:t>
+            </a:r>
+          </a:p>
+          <a:p>
+            <a:pPr algn="l"/>
+            <a:r>
+              <a:rPr lang="en-US" sz="1600" dirty="0" smtClean="0"/>
+              <a:t>    padding: 10px;</a:t>
+            </a:r>
+          </a:p>
+          <a:p>
+            <a:pPr algn="l"/>
+            <a:r>
+              <a:rPr lang="en-US" sz="1600" dirty="0" smtClean="0"/>
+              <a:t>    text-align: justify;</a:t>
+            </a:r>
+          </a:p>
+          <a:p>
+            <a:pPr algn="l"/>
+            <a:r>
+              <a:rPr lang="en-US" sz="1600" dirty="0" smtClean="0"/>
+              <a:t>    </a:t>
+            </a:r>
+          </a:p>
+          <a:p>
+            <a:pPr algn="l"/>
+            <a:r>
+              <a:rPr lang="en-US" sz="1600" dirty="0" smtClean="0"/>
+              <a:t>  }</a:t>
+            </a:r>
+          </a:p>
+          <a:p>
+            <a:pPr algn="l"/>
+            <a:r>
+              <a:rPr lang="en-US" sz="1600" dirty="0" smtClean="0"/>
+              <a:t>  </a:t>
+            </a:r>
+          </a:p>
+          <a:p>
+            <a:pPr algn="l"/>
+            <a:r>
+              <a:rPr lang="en-US" sz="1600" dirty="0" smtClean="0"/>
+              <a:t/>
+            </a:r>
+            <a:br>
+              <a:rPr lang="en-US" sz="1600" dirty="0" smtClean="0"/>
+            </a:br>
+            <a:endParaRPr lang="en-US" sz="1600" dirty="0" smtClean="0"/>
+          </a:p>
           <a:p>
             <a:pPr algn="l"/>
             <a:endParaRPr lang="en-US" sz="1600" dirty="0">
@@ -13583,6 +15300,10 @@
             <a:pPr algn="l"/>
             <a:r>
               <a:rPr lang="en-US" sz="3600" dirty="0" smtClean="0"/>
+              <a:t>Employee List</a:t>
+            </a:r>
+            <a:r>
+              <a:rPr lang="en-US" sz="3600" dirty="0" smtClean="0"/>
               <a:t/>
             </a:r>
             <a:br>
@@ -13610,9 +15331,1102 @@
         </p:spPr>
         <p:txBody>
           <a:bodyPr>
-            <a:normAutofit/>
+            <a:noAutofit/>
           </a:bodyPr>
           <a:lstStyle/>
+          <a:p>
+            <a:pPr algn="l"/>
+            <a:r>
+              <a:rPr lang="en-US" sz="1600" dirty="0" smtClean="0"/>
+              <a:t>import React from 'react'</a:t>
+            </a:r>
+          </a:p>
+          <a:p>
+            <a:pPr algn="l"/>
+            <a:r>
+              <a:rPr lang="en-US" sz="1600" dirty="0" smtClean="0"/>
+              <a:t>import styles from './</a:t>
+            </a:r>
+            <a:r>
+              <a:rPr lang="en-US" sz="1600" dirty="0" err="1" smtClean="0"/>
+              <a:t>emp.list.module.css</a:t>
+            </a:r>
+            <a:r>
+              <a:rPr lang="en-US" sz="1600" dirty="0" smtClean="0"/>
+              <a:t>';</a:t>
+            </a:r>
+          </a:p>
+          <a:p>
+            <a:pPr algn="l"/>
+            <a:r>
+              <a:rPr lang="en-US" sz="1600" dirty="0" smtClean="0"/>
+              <a:t/>
+            </a:r>
+            <a:br>
+              <a:rPr lang="en-US" sz="1600" dirty="0" smtClean="0"/>
+            </a:br>
+            <a:r>
+              <a:rPr lang="en-US" sz="1600" dirty="0" smtClean="0"/>
+              <a:t>const API = </a:t>
+            </a:r>
+            <a:r>
+              <a:rPr lang="en-US" sz="1600" dirty="0" err="1" smtClean="0"/>
+              <a:t>process.env.REACT_APP_API</a:t>
+            </a:r>
+            <a:r>
+              <a:rPr lang="en-US" sz="1600" dirty="0" smtClean="0"/>
+              <a:t> || 'http://localhost:8080/rest';</a:t>
+            </a:r>
+          </a:p>
+          <a:p>
+            <a:pPr algn="l"/>
+            <a:r>
+              <a:rPr lang="en-US" sz="1600" dirty="0" smtClean="0"/>
+              <a:t/>
+            </a:r>
+            <a:br>
+              <a:rPr lang="en-US" sz="1600" dirty="0" smtClean="0"/>
+            </a:br>
+            <a:r>
+              <a:rPr lang="en-US" sz="1600" dirty="0" smtClean="0"/>
+              <a:t/>
+            </a:r>
+            <a:br>
+              <a:rPr lang="en-US" sz="1600" dirty="0" smtClean="0"/>
+            </a:br>
+            <a:r>
+              <a:rPr lang="en-US" sz="1600" dirty="0" smtClean="0"/>
+              <a:t>class </a:t>
+            </a:r>
+            <a:r>
+              <a:rPr lang="en-US" sz="1600" dirty="0" err="1" smtClean="0"/>
+              <a:t>EmployeeList</a:t>
+            </a:r>
+            <a:r>
+              <a:rPr lang="en-US" sz="1600" dirty="0" smtClean="0"/>
+              <a:t> extends </a:t>
+            </a:r>
+            <a:r>
+              <a:rPr lang="en-US" sz="1600" dirty="0" err="1" smtClean="0"/>
+              <a:t>React.Component</a:t>
+            </a:r>
+            <a:r>
+              <a:rPr lang="en-US" sz="1600" dirty="0" smtClean="0"/>
+              <a:t> {</a:t>
+            </a:r>
+          </a:p>
+          <a:p>
+            <a:pPr algn="l"/>
+            <a:r>
+              <a:rPr lang="en-US" sz="1600" dirty="0" smtClean="0"/>
+              <a:t>  constructor(props) {</a:t>
+            </a:r>
+          </a:p>
+          <a:p>
+            <a:pPr algn="l"/>
+            <a:r>
+              <a:rPr lang="en-US" sz="1600" dirty="0" smtClean="0"/>
+              <a:t>    super(props)</a:t>
+            </a:r>
+          </a:p>
+          <a:p>
+            <a:pPr algn="l"/>
+            <a:r>
+              <a:rPr lang="en-US" sz="1600" dirty="0" smtClean="0"/>
+              <a:t>    /* </a:t>
+            </a:r>
+            <a:r>
+              <a:rPr lang="en-US" sz="1600" dirty="0" err="1" smtClean="0"/>
+              <a:t>this.state</a:t>
+            </a:r>
+            <a:r>
+              <a:rPr lang="en-US" sz="1600" dirty="0" smtClean="0"/>
+              <a:t> = {</a:t>
+            </a:r>
+          </a:p>
+          <a:p>
+            <a:pPr algn="l"/>
+            <a:r>
+              <a:rPr lang="en-US" sz="1600" dirty="0" smtClean="0"/>
+              <a:t>      loading: true,</a:t>
+            </a:r>
+          </a:p>
+          <a:p>
+            <a:pPr algn="l"/>
+            <a:r>
+              <a:rPr lang="en-US" sz="1600" dirty="0" smtClean="0"/>
+              <a:t>      employees: [],</a:t>
+            </a:r>
+          </a:p>
+          <a:p>
+            <a:pPr algn="l"/>
+            <a:r>
+              <a:rPr lang="en-US" sz="1600" dirty="0" smtClean="0"/>
+              <a:t>      error: null,</a:t>
+            </a:r>
+          </a:p>
+          <a:p>
+            <a:pPr algn="l"/>
+            <a:r>
+              <a:rPr lang="en-US" sz="1600" dirty="0" smtClean="0"/>
+              <a:t>    }; */</a:t>
+            </a:r>
+          </a:p>
+          <a:p>
+            <a:pPr algn="l"/>
+            <a:r>
+              <a:rPr lang="en-US" sz="1600" dirty="0" smtClean="0"/>
+              <a:t/>
+            </a:r>
+            <a:br>
+              <a:rPr lang="en-US" sz="1600" dirty="0" smtClean="0"/>
+            </a:br>
+            <a:r>
+              <a:rPr lang="en-US" sz="1600" dirty="0" smtClean="0"/>
+              <a:t>  }</a:t>
+            </a:r>
+          </a:p>
+          <a:p>
+            <a:pPr algn="l"/>
+            <a:r>
+              <a:rPr lang="en-US" sz="1600" dirty="0" smtClean="0"/>
+              <a:t>  /* </a:t>
+            </a:r>
+            <a:r>
+              <a:rPr lang="en-US" sz="1600" dirty="0" err="1" smtClean="0"/>
+              <a:t>componentDidMount</a:t>
+            </a:r>
+            <a:r>
+              <a:rPr lang="en-US" sz="1600" dirty="0" smtClean="0"/>
+              <a:t>() {</a:t>
+            </a:r>
+          </a:p>
+          <a:p>
+            <a:pPr algn="l"/>
+            <a:r>
+              <a:rPr lang="en-US" sz="1600" dirty="0" smtClean="0"/>
+              <a:t>    </a:t>
+            </a:r>
+            <a:r>
+              <a:rPr lang="en-US" sz="1600" dirty="0" err="1" smtClean="0"/>
+              <a:t>this.getEmployees</a:t>
+            </a:r>
+            <a:r>
+              <a:rPr lang="en-US" sz="1600" dirty="0" smtClean="0"/>
+              <a:t>();</a:t>
+            </a:r>
+          </a:p>
+          <a:p>
+            <a:pPr algn="l"/>
+            <a:r>
+              <a:rPr lang="en-US" sz="1600" dirty="0" smtClean="0"/>
+              <a:t/>
+            </a:r>
+            <a:br>
+              <a:rPr lang="en-US" sz="1600" dirty="0" smtClean="0"/>
+            </a:br>
+            <a:r>
+              <a:rPr lang="en-US" sz="1600" dirty="0" smtClean="0"/>
+              <a:t>  }</a:t>
+            </a:r>
+          </a:p>
+          <a:p>
+            <a:pPr algn="l"/>
+            <a:r>
+              <a:rPr lang="en-US" sz="1600" dirty="0" smtClean="0"/>
+              <a:t/>
+            </a:r>
+            <a:br>
+              <a:rPr lang="en-US" sz="1600" dirty="0" smtClean="0"/>
+            </a:br>
+            <a:r>
+              <a:rPr lang="en-US" sz="1600" dirty="0" smtClean="0"/>
+              <a:t>  </a:t>
+            </a:r>
+            <a:r>
+              <a:rPr lang="en-US" sz="1600" dirty="0" err="1" smtClean="0"/>
+              <a:t>async</a:t>
+            </a:r>
+            <a:r>
+              <a:rPr lang="en-US" sz="1600" dirty="0" smtClean="0"/>
+              <a:t> </a:t>
+            </a:r>
+            <a:r>
+              <a:rPr lang="en-US" sz="1600" dirty="0" err="1" smtClean="0"/>
+              <a:t>getEmployees</a:t>
+            </a:r>
+            <a:r>
+              <a:rPr lang="en-US" sz="1600" dirty="0" smtClean="0"/>
+              <a:t>() {</a:t>
+            </a:r>
+          </a:p>
+          <a:p>
+            <a:pPr algn="l"/>
+            <a:r>
+              <a:rPr lang="en-US" sz="1600" dirty="0" smtClean="0"/>
+              <a:t>    </a:t>
+            </a:r>
+            <a:r>
+              <a:rPr lang="en-US" sz="1600" dirty="0" err="1" smtClean="0"/>
+              <a:t>this.setState</a:t>
+            </a:r>
+            <a:r>
+              <a:rPr lang="en-US" sz="1600" dirty="0" smtClean="0"/>
+              <a:t>({ loading: false, employees: (await </a:t>
+            </a:r>
+            <a:r>
+              <a:rPr lang="en-US" sz="1600" dirty="0" err="1" smtClean="0"/>
+              <a:t>this.fetch</a:t>
+            </a:r>
+            <a:r>
+              <a:rPr lang="en-US" sz="1600" dirty="0" smtClean="0"/>
+              <a:t>('get', '/employees')) || [] });</a:t>
+            </a:r>
+          </a:p>
+          <a:p>
+            <a:pPr algn="l"/>
+            <a:r>
+              <a:rPr lang="en-US" sz="1600" dirty="0" smtClean="0"/>
+              <a:t>  }</a:t>
+            </a:r>
+          </a:p>
+          <a:p>
+            <a:pPr algn="l"/>
+            <a:r>
+              <a:rPr lang="en-US" sz="1600" dirty="0" smtClean="0"/>
+              <a:t> */</a:t>
+            </a:r>
+          </a:p>
+          <a:p>
+            <a:pPr algn="l"/>
+            <a:r>
+              <a:rPr lang="en-US" sz="1600" dirty="0" smtClean="0"/>
+              <a:t/>
+            </a:r>
+            <a:br>
+              <a:rPr lang="en-US" sz="1600" dirty="0" smtClean="0"/>
+            </a:br>
+            <a:r>
+              <a:rPr lang="en-US" sz="1600" dirty="0" smtClean="0"/>
+              <a:t>  </a:t>
+            </a:r>
+            <a:r>
+              <a:rPr lang="en-US" sz="1600" dirty="0" err="1" smtClean="0"/>
+              <a:t>async</a:t>
+            </a:r>
+            <a:r>
+              <a:rPr lang="en-US" sz="1600" dirty="0" smtClean="0"/>
+              <a:t> fetch(method, endpoint, body) {</a:t>
+            </a:r>
+          </a:p>
+          <a:p>
+            <a:pPr algn="l"/>
+            <a:r>
+              <a:rPr lang="en-US" sz="1600" dirty="0" smtClean="0"/>
+              <a:t>    try {</a:t>
+            </a:r>
+          </a:p>
+          <a:p>
+            <a:pPr algn="l"/>
+            <a:r>
+              <a:rPr lang="en-US" sz="1600" dirty="0" smtClean="0"/>
+              <a:t>      const response = await fetch(`${API}${endpoint}`, {</a:t>
+            </a:r>
+          </a:p>
+          <a:p>
+            <a:pPr algn="l"/>
+            <a:r>
+              <a:rPr lang="en-US" sz="1600" dirty="0" smtClean="0"/>
+              <a:t>        method,</a:t>
+            </a:r>
+          </a:p>
+          <a:p>
+            <a:pPr algn="l"/>
+            <a:r>
+              <a:rPr lang="en-US" sz="1600" dirty="0" smtClean="0"/>
+              <a:t>        body: body &amp;&amp; </a:t>
+            </a:r>
+            <a:r>
+              <a:rPr lang="en-US" sz="1600" dirty="0" err="1" smtClean="0"/>
+              <a:t>JSON.stringify</a:t>
+            </a:r>
+            <a:r>
+              <a:rPr lang="en-US" sz="1600" dirty="0" smtClean="0"/>
+              <a:t>(body),</a:t>
+            </a:r>
+          </a:p>
+          <a:p>
+            <a:pPr algn="l"/>
+            <a:r>
+              <a:rPr lang="en-US" sz="1600" dirty="0" smtClean="0"/>
+              <a:t>        headers: {</a:t>
+            </a:r>
+          </a:p>
+          <a:p>
+            <a:pPr algn="l"/>
+            <a:r>
+              <a:rPr lang="en-US" sz="1600" dirty="0" smtClean="0"/>
+              <a:t>          'content-type': 'application/</a:t>
+            </a:r>
+            <a:r>
+              <a:rPr lang="en-US" sz="1600" dirty="0" err="1" smtClean="0"/>
+              <a:t>json</a:t>
+            </a:r>
+            <a:r>
+              <a:rPr lang="en-US" sz="1600" dirty="0" smtClean="0"/>
+              <a:t>',</a:t>
+            </a:r>
+          </a:p>
+          <a:p>
+            <a:pPr algn="l"/>
+            <a:r>
+              <a:rPr lang="en-US" sz="1600" dirty="0" smtClean="0"/>
+              <a:t>          accept: 'application/</a:t>
+            </a:r>
+            <a:r>
+              <a:rPr lang="en-US" sz="1600" dirty="0" err="1" smtClean="0"/>
+              <a:t>json</a:t>
+            </a:r>
+            <a:r>
+              <a:rPr lang="en-US" sz="1600" dirty="0" smtClean="0"/>
+              <a:t>',</a:t>
+            </a:r>
+          </a:p>
+          <a:p>
+            <a:pPr algn="l"/>
+            <a:r>
+              <a:rPr lang="en-US" sz="1600" dirty="0" smtClean="0"/>
+              <a:t>          // authorization: `Bearer ${await </a:t>
+            </a:r>
+            <a:r>
+              <a:rPr lang="en-US" sz="1600" dirty="0" err="1" smtClean="0"/>
+              <a:t>this.props.authService.getAccessToken</a:t>
+            </a:r>
+            <a:r>
+              <a:rPr lang="en-US" sz="1600" dirty="0" smtClean="0"/>
+              <a:t>()}`,</a:t>
+            </a:r>
+          </a:p>
+          <a:p>
+            <a:pPr algn="l"/>
+            <a:r>
+              <a:rPr lang="en-US" sz="1600" dirty="0" smtClean="0"/>
+              <a:t>        },</a:t>
+            </a:r>
+          </a:p>
+          <a:p>
+            <a:pPr algn="l"/>
+            <a:r>
+              <a:rPr lang="en-US" sz="1600" dirty="0" smtClean="0"/>
+              <a:t>      });</a:t>
+            </a:r>
+          </a:p>
+          <a:p>
+            <a:pPr algn="l"/>
+            <a:r>
+              <a:rPr lang="en-US" sz="1600" dirty="0" smtClean="0"/>
+              <a:t>      return await </a:t>
+            </a:r>
+            <a:r>
+              <a:rPr lang="en-US" sz="1600" dirty="0" err="1" smtClean="0"/>
+              <a:t>response.json</a:t>
+            </a:r>
+            <a:r>
+              <a:rPr lang="en-US" sz="1600" dirty="0" smtClean="0"/>
+              <a:t>();</a:t>
+            </a:r>
+          </a:p>
+          <a:p>
+            <a:pPr algn="l"/>
+            <a:r>
+              <a:rPr lang="en-US" sz="1600" dirty="0" smtClean="0"/>
+              <a:t>    } catch (error) {</a:t>
+            </a:r>
+          </a:p>
+          <a:p>
+            <a:pPr algn="l"/>
+            <a:r>
+              <a:rPr lang="en-US" sz="1600" dirty="0" smtClean="0"/>
+              <a:t>      </a:t>
+            </a:r>
+            <a:r>
+              <a:rPr lang="en-US" sz="1600" dirty="0" err="1" smtClean="0"/>
+              <a:t>console.error</a:t>
+            </a:r>
+            <a:r>
+              <a:rPr lang="en-US" sz="1600" dirty="0" smtClean="0"/>
+              <a:t>(error);</a:t>
+            </a:r>
+          </a:p>
+          <a:p>
+            <a:pPr algn="l"/>
+            <a:r>
+              <a:rPr lang="en-US" sz="1600" dirty="0" smtClean="0"/>
+              <a:t>      </a:t>
+            </a:r>
+            <a:r>
+              <a:rPr lang="en-US" sz="1600" dirty="0" err="1" smtClean="0"/>
+              <a:t>this.setState</a:t>
+            </a:r>
+            <a:r>
+              <a:rPr lang="en-US" sz="1600" dirty="0" smtClean="0"/>
+              <a:t>({ error });</a:t>
+            </a:r>
+          </a:p>
+          <a:p>
+            <a:pPr algn="l"/>
+            <a:r>
+              <a:rPr lang="en-US" sz="1600" dirty="0" smtClean="0"/>
+              <a:t>    }</a:t>
+            </a:r>
+          </a:p>
+          <a:p>
+            <a:pPr algn="l"/>
+            <a:r>
+              <a:rPr lang="en-US" sz="1600" dirty="0" smtClean="0"/>
+              <a:t>  }</a:t>
+            </a:r>
+          </a:p>
+          <a:p>
+            <a:pPr algn="l"/>
+            <a:r>
+              <a:rPr lang="en-US" sz="1600" dirty="0" smtClean="0"/>
+              <a:t/>
+            </a:r>
+            <a:br>
+              <a:rPr lang="en-US" sz="1600" dirty="0" smtClean="0"/>
+            </a:br>
+            <a:r>
+              <a:rPr lang="en-US" sz="1600" dirty="0" smtClean="0"/>
+              <a:t/>
+            </a:r>
+            <a:br>
+              <a:rPr lang="en-US" sz="1600" dirty="0" smtClean="0"/>
+            </a:br>
+            <a:r>
+              <a:rPr lang="en-US" sz="1600" dirty="0" smtClean="0"/>
+              <a:t>  render() {</a:t>
+            </a:r>
+          </a:p>
+          <a:p>
+            <a:pPr algn="l"/>
+            <a:r>
+              <a:rPr lang="en-US" sz="1600" dirty="0" smtClean="0"/>
+              <a:t>    //let employees = {}</a:t>
+            </a:r>
+          </a:p>
+          <a:p>
+            <a:pPr algn="l"/>
+            <a:r>
+              <a:rPr lang="en-US" sz="1600" dirty="0" smtClean="0"/>
+              <a:t>    // let elements = {}</a:t>
+            </a:r>
+          </a:p>
+          <a:p>
+            <a:pPr algn="l"/>
+            <a:r>
+              <a:rPr lang="en-US" sz="1600" dirty="0" smtClean="0"/>
+              <a:t>    if (!</a:t>
+            </a:r>
+            <a:r>
+              <a:rPr lang="en-US" sz="1600" dirty="0" err="1" smtClean="0"/>
+              <a:t>this.props.employees</a:t>
+            </a:r>
+            <a:r>
+              <a:rPr lang="en-US" sz="1600" dirty="0" smtClean="0"/>
+              <a:t>) {</a:t>
+            </a:r>
+          </a:p>
+          <a:p>
+            <a:pPr algn="l"/>
+            <a:r>
+              <a:rPr lang="en-US" sz="1600" dirty="0" smtClean="0"/>
+              <a:t>      return &lt;div&gt;Loading Employees...&lt;/div&gt;</a:t>
+            </a:r>
+          </a:p>
+          <a:p>
+            <a:pPr algn="l"/>
+            <a:r>
+              <a:rPr lang="en-US" sz="1600" dirty="0" smtClean="0"/>
+              <a:t>    }</a:t>
+            </a:r>
+          </a:p>
+          <a:p>
+            <a:pPr algn="l"/>
+            <a:r>
+              <a:rPr lang="en-US" sz="1600" dirty="0" smtClean="0"/>
+              <a:t>    let employees = </a:t>
+            </a:r>
+            <a:r>
+              <a:rPr lang="en-US" sz="1600" dirty="0" err="1" smtClean="0"/>
+              <a:t>this.props.employees</a:t>
+            </a:r>
+            <a:r>
+              <a:rPr lang="en-US" sz="1600" dirty="0" smtClean="0"/>
+              <a:t>;</a:t>
+            </a:r>
+          </a:p>
+          <a:p>
+            <a:pPr algn="l"/>
+            <a:r>
+              <a:rPr lang="en-US" sz="1600" dirty="0" smtClean="0"/>
+              <a:t/>
+            </a:r>
+            <a:br>
+              <a:rPr lang="en-US" sz="1600" dirty="0" smtClean="0"/>
+            </a:br>
+            <a:r>
+              <a:rPr lang="en-US" sz="1600" dirty="0" smtClean="0"/>
+              <a:t>    /* elements = employees.map((e) =&gt; (</a:t>
+            </a:r>
+          </a:p>
+          <a:p>
+            <a:pPr algn="l"/>
+            <a:r>
+              <a:rPr lang="en-US" sz="1600" dirty="0" smtClean="0"/>
+              <a:t>      &lt;div </a:t>
+            </a:r>
+            <a:r>
+              <a:rPr lang="en-US" sz="1600" dirty="0" err="1" smtClean="0"/>
+              <a:t>className</a:t>
+            </a:r>
+            <a:r>
+              <a:rPr lang="en-US" sz="1600" dirty="0" smtClean="0"/>
+              <a:t>={styles.row} key={e.id}&gt;</a:t>
+            </a:r>
+          </a:p>
+          <a:p>
+            <a:pPr algn="l"/>
+            <a:r>
+              <a:rPr lang="en-US" sz="1600" dirty="0" smtClean="0"/>
+              <a:t>        &lt;div </a:t>
+            </a:r>
+            <a:r>
+              <a:rPr lang="en-US" sz="1600" dirty="0" err="1" smtClean="0"/>
+              <a:t>className</a:t>
+            </a:r>
+            <a:r>
+              <a:rPr lang="en-US" sz="1600" dirty="0" smtClean="0"/>
+              <a:t>={styles.col} key={e.id}&gt;{e.id}&lt;/div&gt;</a:t>
+            </a:r>
+          </a:p>
+          <a:p>
+            <a:pPr algn="l"/>
+            <a:r>
+              <a:rPr lang="en-US" sz="1600" dirty="0" smtClean="0"/>
+              <a:t>        &lt;div </a:t>
+            </a:r>
+            <a:r>
+              <a:rPr lang="en-US" sz="1600" dirty="0" err="1" smtClean="0"/>
+              <a:t>className</a:t>
+            </a:r>
+            <a:r>
+              <a:rPr lang="en-US" sz="1600" dirty="0" smtClean="0"/>
+              <a:t>={styles.col} key={</a:t>
+            </a:r>
+            <a:r>
+              <a:rPr lang="en-US" sz="1600" dirty="0" err="1" smtClean="0"/>
+              <a:t>e.firstName</a:t>
+            </a:r>
+            <a:r>
+              <a:rPr lang="en-US" sz="1600" dirty="0" smtClean="0"/>
+              <a:t>}&gt;{</a:t>
+            </a:r>
+            <a:r>
+              <a:rPr lang="en-US" sz="1600" dirty="0" err="1" smtClean="0"/>
+              <a:t>e.firstName</a:t>
+            </a:r>
+            <a:r>
+              <a:rPr lang="en-US" sz="1600" dirty="0" smtClean="0"/>
+              <a:t>}&lt;/div&gt;</a:t>
+            </a:r>
+          </a:p>
+          <a:p>
+            <a:pPr algn="l"/>
+            <a:r>
+              <a:rPr lang="en-US" sz="1600" dirty="0" smtClean="0"/>
+              <a:t>        &lt;div </a:t>
+            </a:r>
+            <a:r>
+              <a:rPr lang="en-US" sz="1600" dirty="0" err="1" smtClean="0"/>
+              <a:t>className</a:t>
+            </a:r>
+            <a:r>
+              <a:rPr lang="en-US" sz="1600" dirty="0" smtClean="0"/>
+              <a:t>={styles.col} key={</a:t>
+            </a:r>
+            <a:r>
+              <a:rPr lang="en-US" sz="1600" dirty="0" err="1" smtClean="0"/>
+              <a:t>e.lastName</a:t>
+            </a:r>
+            <a:r>
+              <a:rPr lang="en-US" sz="1600" dirty="0" smtClean="0"/>
+              <a:t>}&gt;{</a:t>
+            </a:r>
+            <a:r>
+              <a:rPr lang="en-US" sz="1600" dirty="0" err="1" smtClean="0"/>
+              <a:t>e.lastName</a:t>
+            </a:r>
+            <a:r>
+              <a:rPr lang="en-US" sz="1600" dirty="0" smtClean="0"/>
+              <a:t>}&lt;/div&gt;</a:t>
+            </a:r>
+          </a:p>
+          <a:p>
+            <a:pPr algn="l"/>
+            <a:r>
+              <a:rPr lang="en-US" sz="1600" dirty="0" smtClean="0"/>
+              <a:t>      &lt;/div&gt;</a:t>
+            </a:r>
+          </a:p>
+          <a:p>
+            <a:pPr algn="l"/>
+            <a:r>
+              <a:rPr lang="en-US" sz="1600" dirty="0" smtClean="0"/>
+              <a:t>    )) */</a:t>
+            </a:r>
+          </a:p>
+          <a:p>
+            <a:pPr algn="l"/>
+            <a:r>
+              <a:rPr lang="en-US" sz="1600" dirty="0" smtClean="0"/>
+              <a:t/>
+            </a:r>
+            <a:br>
+              <a:rPr lang="en-US" sz="1600" dirty="0" smtClean="0"/>
+            </a:br>
+            <a:r>
+              <a:rPr lang="en-US" sz="1600" dirty="0" smtClean="0"/>
+              <a:t>    let elements = employees.map((e) =&gt; (</a:t>
+            </a:r>
+          </a:p>
+          <a:p>
+            <a:pPr algn="l"/>
+            <a:r>
+              <a:rPr lang="en-US" sz="1600" dirty="0" smtClean="0"/>
+              <a:t>      &lt;</a:t>
+            </a:r>
+            <a:r>
+              <a:rPr lang="en-US" sz="1600" dirty="0" err="1" smtClean="0"/>
+              <a:t>tr</a:t>
+            </a:r>
+            <a:r>
+              <a:rPr lang="en-US" sz="1600" dirty="0" smtClean="0"/>
+              <a:t>&gt;</a:t>
+            </a:r>
+          </a:p>
+          <a:p>
+            <a:pPr algn="l"/>
+            <a:r>
+              <a:rPr lang="en-US" sz="1600" dirty="0" smtClean="0"/>
+              <a:t>        &lt;td </a:t>
+            </a:r>
+            <a:r>
+              <a:rPr lang="en-US" sz="1600" dirty="0" err="1" smtClean="0"/>
+              <a:t>className</a:t>
+            </a:r>
+            <a:r>
+              <a:rPr lang="en-US" sz="1600" dirty="0" smtClean="0"/>
+              <a:t>={styles.col}&gt;{e.id}&lt;/td&gt;</a:t>
+            </a:r>
+          </a:p>
+          <a:p>
+            <a:pPr algn="l"/>
+            <a:r>
+              <a:rPr lang="en-US" sz="1600" dirty="0" smtClean="0"/>
+              <a:t>        &lt;td </a:t>
+            </a:r>
+            <a:r>
+              <a:rPr lang="en-US" sz="1600" dirty="0" err="1" smtClean="0"/>
+              <a:t>className</a:t>
+            </a:r>
+            <a:r>
+              <a:rPr lang="en-US" sz="1600" dirty="0" smtClean="0"/>
+              <a:t>={styles.col}&gt;{</a:t>
+            </a:r>
+            <a:r>
+              <a:rPr lang="en-US" sz="1600" dirty="0" err="1" smtClean="0"/>
+              <a:t>e.firstName</a:t>
+            </a:r>
+            <a:r>
+              <a:rPr lang="en-US" sz="1600" dirty="0" smtClean="0"/>
+              <a:t>}&lt;/td&gt;</a:t>
+            </a:r>
+          </a:p>
+          <a:p>
+            <a:pPr algn="l"/>
+            <a:r>
+              <a:rPr lang="en-US" sz="1600" dirty="0" smtClean="0"/>
+              <a:t>        &lt;td </a:t>
+            </a:r>
+            <a:r>
+              <a:rPr lang="en-US" sz="1600" dirty="0" err="1" smtClean="0"/>
+              <a:t>className</a:t>
+            </a:r>
+            <a:r>
+              <a:rPr lang="en-US" sz="1600" dirty="0" smtClean="0"/>
+              <a:t>={styles.col}&gt;{</a:t>
+            </a:r>
+            <a:r>
+              <a:rPr lang="en-US" sz="1600" dirty="0" err="1" smtClean="0"/>
+              <a:t>e.lastName</a:t>
+            </a:r>
+            <a:r>
+              <a:rPr lang="en-US" sz="1600" dirty="0" smtClean="0"/>
+              <a:t>}&lt;/td&gt;</a:t>
+            </a:r>
+          </a:p>
+          <a:p>
+            <a:pPr algn="l"/>
+            <a:r>
+              <a:rPr lang="en-US" sz="1600" dirty="0" smtClean="0"/>
+              <a:t>      &lt;/</a:t>
+            </a:r>
+            <a:r>
+              <a:rPr lang="en-US" sz="1600" dirty="0" err="1" smtClean="0"/>
+              <a:t>tr</a:t>
+            </a:r>
+            <a:r>
+              <a:rPr lang="en-US" sz="1600" dirty="0" smtClean="0"/>
+              <a:t>&gt;</a:t>
+            </a:r>
+          </a:p>
+          <a:p>
+            <a:pPr algn="l"/>
+            <a:r>
+              <a:rPr lang="en-US" sz="1600" dirty="0" smtClean="0"/>
+              <a:t>    )</a:t>
+            </a:r>
+          </a:p>
+          <a:p>
+            <a:pPr algn="l"/>
+            <a:r>
+              <a:rPr lang="en-US" sz="1600" dirty="0" smtClean="0"/>
+              <a:t>    )</a:t>
+            </a:r>
+          </a:p>
+          <a:p>
+            <a:pPr algn="l"/>
+            <a:r>
+              <a:rPr lang="en-US" sz="1600" dirty="0" smtClean="0"/>
+              <a:t/>
+            </a:r>
+            <a:br>
+              <a:rPr lang="en-US" sz="1600" dirty="0" smtClean="0"/>
+            </a:br>
+            <a:r>
+              <a:rPr lang="en-US" sz="1600" dirty="0" smtClean="0"/>
+              <a:t>    return (&lt;div&gt;</a:t>
+            </a:r>
+          </a:p>
+          <a:p>
+            <a:pPr algn="l"/>
+            <a:r>
+              <a:rPr lang="en-US" sz="1600" dirty="0" smtClean="0"/>
+              <a:t>      &lt;table id="employee" </a:t>
+            </a:r>
+            <a:r>
+              <a:rPr lang="en-US" sz="1600" dirty="0" err="1" smtClean="0"/>
+              <a:t>className</a:t>
+            </a:r>
+            <a:r>
+              <a:rPr lang="en-US" sz="1600" dirty="0" smtClean="0"/>
+              <a:t>={</a:t>
+            </a:r>
+            <a:r>
+              <a:rPr lang="en-US" sz="1600" dirty="0" err="1" smtClean="0"/>
+              <a:t>styles.empTable</a:t>
+            </a:r>
+            <a:r>
+              <a:rPr lang="en-US" sz="1600" dirty="0" smtClean="0"/>
+              <a:t>}&gt;</a:t>
+            </a:r>
+          </a:p>
+          <a:p>
+            <a:pPr algn="l"/>
+            <a:r>
+              <a:rPr lang="en-US" sz="1600" dirty="0" smtClean="0"/>
+              <a:t>      &lt;</a:t>
+            </a:r>
+            <a:r>
+              <a:rPr lang="en-US" sz="1600" dirty="0" err="1" smtClean="0"/>
+              <a:t>thead</a:t>
+            </a:r>
+            <a:r>
+              <a:rPr lang="en-US" sz="1600" dirty="0" smtClean="0"/>
+              <a:t>&gt;</a:t>
+            </a:r>
+          </a:p>
+          <a:p>
+            <a:pPr algn="l"/>
+            <a:r>
+              <a:rPr lang="en-US" sz="1600" dirty="0" smtClean="0"/>
+              <a:t>        &lt;</a:t>
+            </a:r>
+            <a:r>
+              <a:rPr lang="en-US" sz="1600" dirty="0" err="1" smtClean="0"/>
+              <a:t>tr</a:t>
+            </a:r>
+            <a:r>
+              <a:rPr lang="en-US" sz="1600" dirty="0" smtClean="0"/>
+              <a:t>&gt;</a:t>
+            </a:r>
+          </a:p>
+          <a:p>
+            <a:pPr algn="l"/>
+            <a:r>
+              <a:rPr lang="en-US" sz="1600" dirty="0" smtClean="0"/>
+              <a:t>          &lt;</a:t>
+            </a:r>
+            <a:r>
+              <a:rPr lang="en-US" sz="1600" dirty="0" err="1" smtClean="0"/>
+              <a:t>th</a:t>
+            </a:r>
+            <a:r>
+              <a:rPr lang="en-US" sz="1600" dirty="0" smtClean="0"/>
+              <a:t> </a:t>
+            </a:r>
+            <a:r>
+              <a:rPr lang="en-US" sz="1600" dirty="0" err="1" smtClean="0"/>
+              <a:t>className</a:t>
+            </a:r>
+            <a:r>
+              <a:rPr lang="en-US" sz="1600" dirty="0" smtClean="0"/>
+              <a:t>={</a:t>
+            </a:r>
+            <a:r>
+              <a:rPr lang="en-US" sz="1600" dirty="0" err="1" smtClean="0"/>
+              <a:t>styles.header</a:t>
+            </a:r>
+            <a:r>
+              <a:rPr lang="en-US" sz="1600" dirty="0" smtClean="0"/>
+              <a:t>}&gt;ID&lt;/</a:t>
+            </a:r>
+            <a:r>
+              <a:rPr lang="en-US" sz="1600" dirty="0" err="1" smtClean="0"/>
+              <a:t>th</a:t>
+            </a:r>
+            <a:r>
+              <a:rPr lang="en-US" sz="1600" dirty="0" smtClean="0"/>
+              <a:t>&gt;</a:t>
+            </a:r>
+          </a:p>
+          <a:p>
+            <a:pPr algn="l"/>
+            <a:r>
+              <a:rPr lang="en-US" sz="1600" dirty="0" smtClean="0"/>
+              <a:t>          &lt;</a:t>
+            </a:r>
+            <a:r>
+              <a:rPr lang="en-US" sz="1600" dirty="0" err="1" smtClean="0"/>
+              <a:t>th</a:t>
+            </a:r>
+            <a:r>
+              <a:rPr lang="en-US" sz="1600" dirty="0" smtClean="0"/>
+              <a:t> </a:t>
+            </a:r>
+            <a:r>
+              <a:rPr lang="en-US" sz="1600" dirty="0" err="1" smtClean="0"/>
+              <a:t>className</a:t>
+            </a:r>
+            <a:r>
+              <a:rPr lang="en-US" sz="1600" dirty="0" smtClean="0"/>
+              <a:t>={</a:t>
+            </a:r>
+            <a:r>
+              <a:rPr lang="en-US" sz="1600" dirty="0" err="1" smtClean="0"/>
+              <a:t>styles.header</a:t>
+            </a:r>
+            <a:r>
+              <a:rPr lang="en-US" sz="1600" dirty="0" smtClean="0"/>
+              <a:t>}&gt;First Name&lt;/</a:t>
+            </a:r>
+            <a:r>
+              <a:rPr lang="en-US" sz="1600" dirty="0" err="1" smtClean="0"/>
+              <a:t>th</a:t>
+            </a:r>
+            <a:r>
+              <a:rPr lang="en-US" sz="1600" dirty="0" smtClean="0"/>
+              <a:t>&gt;</a:t>
+            </a:r>
+          </a:p>
+          <a:p>
+            <a:pPr algn="l"/>
+            <a:r>
+              <a:rPr lang="en-US" sz="1600" dirty="0" smtClean="0"/>
+              <a:t>          &lt;</a:t>
+            </a:r>
+            <a:r>
+              <a:rPr lang="en-US" sz="1600" dirty="0" err="1" smtClean="0"/>
+              <a:t>th</a:t>
+            </a:r>
+            <a:r>
+              <a:rPr lang="en-US" sz="1600" dirty="0" smtClean="0"/>
+              <a:t> </a:t>
+            </a:r>
+            <a:r>
+              <a:rPr lang="en-US" sz="1600" dirty="0" err="1" smtClean="0"/>
+              <a:t>className</a:t>
+            </a:r>
+            <a:r>
+              <a:rPr lang="en-US" sz="1600" dirty="0" smtClean="0"/>
+              <a:t>={</a:t>
+            </a:r>
+            <a:r>
+              <a:rPr lang="en-US" sz="1600" dirty="0" err="1" smtClean="0"/>
+              <a:t>styles.header</a:t>
+            </a:r>
+            <a:r>
+              <a:rPr lang="en-US" sz="1600" dirty="0" smtClean="0"/>
+              <a:t>}&gt;Last Name&lt;/</a:t>
+            </a:r>
+            <a:r>
+              <a:rPr lang="en-US" sz="1600" dirty="0" err="1" smtClean="0"/>
+              <a:t>th</a:t>
+            </a:r>
+            <a:r>
+              <a:rPr lang="en-US" sz="1600" dirty="0" smtClean="0"/>
+              <a:t>&gt;</a:t>
+            </a:r>
+          </a:p>
+          <a:p>
+            <a:pPr algn="l"/>
+            <a:r>
+              <a:rPr lang="en-US" sz="1600" dirty="0" smtClean="0"/>
+              <a:t>        &lt;/</a:t>
+            </a:r>
+            <a:r>
+              <a:rPr lang="en-US" sz="1600" dirty="0" err="1" smtClean="0"/>
+              <a:t>tr</a:t>
+            </a:r>
+            <a:r>
+              <a:rPr lang="en-US" sz="1600" dirty="0" smtClean="0"/>
+              <a:t>&gt;</a:t>
+            </a:r>
+          </a:p>
+          <a:p>
+            <a:pPr algn="l"/>
+            <a:r>
+              <a:rPr lang="en-US" sz="1600" dirty="0" smtClean="0"/>
+              <a:t>        &lt;/</a:t>
+            </a:r>
+            <a:r>
+              <a:rPr lang="en-US" sz="1600" dirty="0" err="1" smtClean="0"/>
+              <a:t>thead</a:t>
+            </a:r>
+            <a:r>
+              <a:rPr lang="en-US" sz="1600" dirty="0" smtClean="0"/>
+              <a:t>&gt;</a:t>
+            </a:r>
+          </a:p>
+          <a:p>
+            <a:pPr algn="l"/>
+            <a:r>
+              <a:rPr lang="en-US" sz="1600" dirty="0" smtClean="0"/>
+              <a:t>        &lt;</a:t>
+            </a:r>
+            <a:r>
+              <a:rPr lang="en-US" sz="1600" dirty="0" err="1" smtClean="0"/>
+              <a:t>tbody</a:t>
+            </a:r>
+            <a:r>
+              <a:rPr lang="en-US" sz="1600" dirty="0" smtClean="0"/>
+              <a:t>&gt;</a:t>
+            </a:r>
+          </a:p>
+          <a:p>
+            <a:pPr algn="l"/>
+            <a:r>
+              <a:rPr lang="en-US" sz="1600" dirty="0" smtClean="0"/>
+              <a:t>        {elements}  </a:t>
+            </a:r>
+          </a:p>
+          <a:p>
+            <a:pPr algn="l"/>
+            <a:r>
+              <a:rPr lang="en-US" sz="1600" dirty="0" smtClean="0"/>
+              <a:t>        &lt;/</a:t>
+            </a:r>
+            <a:r>
+              <a:rPr lang="en-US" sz="1600" dirty="0" err="1" smtClean="0"/>
+              <a:t>tbody</a:t>
+            </a:r>
+            <a:r>
+              <a:rPr lang="en-US" sz="1600" dirty="0" smtClean="0"/>
+              <a:t>&gt;</a:t>
+            </a:r>
+          </a:p>
+          <a:p>
+            <a:pPr algn="l"/>
+            <a:r>
+              <a:rPr lang="en-US" sz="1600" dirty="0" smtClean="0"/>
+              <a:t>      </a:t>
+            </a:r>
+          </a:p>
+          <a:p>
+            <a:pPr algn="l"/>
+            <a:r>
+              <a:rPr lang="en-US" sz="1600" dirty="0" smtClean="0"/>
+              <a:t>      &lt;/table&gt;</a:t>
+            </a:r>
+          </a:p>
+          <a:p>
+            <a:pPr algn="l"/>
+            <a:r>
+              <a:rPr lang="en-US" sz="1600" dirty="0" smtClean="0"/>
+              <a:t>    &lt;/div&gt;</a:t>
+            </a:r>
+          </a:p>
+          <a:p>
+            <a:pPr algn="l"/>
+            <a:r>
+              <a:rPr lang="en-US" sz="1600" dirty="0" smtClean="0"/>
+              <a:t>    );</a:t>
+            </a:r>
+          </a:p>
+          <a:p>
+            <a:pPr algn="l"/>
+            <a:r>
+              <a:rPr lang="en-US" sz="1600" dirty="0" smtClean="0"/>
+              <a:t/>
+            </a:r>
+            <a:br>
+              <a:rPr lang="en-US" sz="1600" dirty="0" smtClean="0"/>
+            </a:br>
+            <a:r>
+              <a:rPr lang="en-US" sz="1600" dirty="0" smtClean="0"/>
+              <a:t>  }</a:t>
+            </a:r>
+          </a:p>
+          <a:p>
+            <a:pPr algn="l"/>
+            <a:r>
+              <a:rPr lang="en-US" sz="1600" dirty="0" smtClean="0"/>
+              <a:t>}</a:t>
+            </a:r>
+          </a:p>
+          <a:p>
+            <a:pPr algn="l"/>
+            <a:r>
+              <a:rPr lang="en-US" sz="1600" dirty="0" smtClean="0"/>
+              <a:t/>
+            </a:r>
+            <a:br>
+              <a:rPr lang="en-US" sz="1600" dirty="0" smtClean="0"/>
+            </a:br>
+            <a:r>
+              <a:rPr lang="en-US" sz="1600" dirty="0" smtClean="0"/>
+              <a:t>export default </a:t>
+            </a:r>
+            <a:r>
+              <a:rPr lang="en-US" sz="1600" dirty="0" err="1" smtClean="0"/>
+              <a:t>EmployeeList</a:t>
+            </a:r>
+            <a:r>
+              <a:rPr lang="en-US" sz="1600" dirty="0" smtClean="0"/>
+              <a:t>;</a:t>
+            </a:r>
+          </a:p>
           <a:p>
             <a:pPr algn="l"/>
             <a:endParaRPr lang="en-US" sz="1600" dirty="0">
@@ -13719,6 +16533,10 @@
           <a:p>
             <a:pPr algn="l"/>
             <a:r>
+              <a:rPr lang="en-US" sz="3600" smtClean="0"/>
+              <a:t>emp.list.modules.css</a:t>
+            </a:r>
+            <a:r>
               <a:rPr lang="en-US" sz="3600" dirty="0" smtClean="0"/>
               <a:t/>
             </a:r>
@@ -13747,9 +16565,296 @@
         </p:spPr>
         <p:txBody>
           <a:bodyPr>
-            <a:normAutofit/>
+            <a:noAutofit/>
           </a:bodyPr>
           <a:lstStyle/>
+          <a:p>
+            <a:pPr algn="l"/>
+            <a:r>
+              <a:rPr lang="en-US" sz="1600" dirty="0" smtClean="0"/>
+              <a:t>.</a:t>
+            </a:r>
+            <a:r>
+              <a:rPr lang="en-US" sz="1600" dirty="0" err="1" smtClean="0"/>
+              <a:t>empTable</a:t>
+            </a:r>
+            <a:r>
+              <a:rPr lang="en-US" sz="1600" dirty="0" smtClean="0"/>
+              <a:t> {</a:t>
+            </a:r>
+          </a:p>
+          <a:p>
+            <a:pPr algn="l"/>
+            <a:r>
+              <a:rPr lang="en-US" sz="1600" dirty="0" smtClean="0"/>
+              <a:t>  font-family: Arial, Helvetica, sans-serif;</a:t>
+            </a:r>
+          </a:p>
+          <a:p>
+            <a:pPr algn="l"/>
+            <a:r>
+              <a:rPr lang="en-US" sz="1600" dirty="0" smtClean="0"/>
+              <a:t>  border-collapse: collapse;</a:t>
+            </a:r>
+          </a:p>
+          <a:p>
+            <a:pPr algn="l"/>
+            <a:r>
+              <a:rPr lang="en-US" sz="1600" dirty="0" smtClean="0"/>
+              <a:t>  width: 80%;</a:t>
+            </a:r>
+          </a:p>
+          <a:p>
+            <a:pPr algn="l"/>
+            <a:r>
+              <a:rPr lang="en-US" sz="1600" dirty="0" smtClean="0"/>
+              <a:t>  border: 1px solid gold;</a:t>
+            </a:r>
+          </a:p>
+          <a:p>
+            <a:pPr algn="l"/>
+            <a:r>
+              <a:rPr lang="en-US" sz="1600" dirty="0" smtClean="0"/>
+              <a:t>  margin-left: 10%;</a:t>
+            </a:r>
+          </a:p>
+          <a:p>
+            <a:pPr algn="l"/>
+            <a:r>
+              <a:rPr lang="en-US" sz="1600" dirty="0" smtClean="0"/>
+              <a:t>  margin-right: 10%;</a:t>
+            </a:r>
+          </a:p>
+          <a:p>
+            <a:pPr algn="l"/>
+            <a:r>
+              <a:rPr lang="en-US" sz="1600" dirty="0" smtClean="0"/>
+              <a:t>}</a:t>
+            </a:r>
+          </a:p>
+          <a:p>
+            <a:pPr algn="l"/>
+            <a:r>
+              <a:rPr lang="en-US" sz="1600" dirty="0" smtClean="0"/>
+              <a:t/>
+            </a:r>
+            <a:br>
+              <a:rPr lang="en-US" sz="1600" dirty="0" smtClean="0"/>
+            </a:br>
+            <a:r>
+              <a:rPr lang="en-US" sz="1600" dirty="0" smtClean="0"/>
+              <a:t/>
+            </a:r>
+            <a:br>
+              <a:rPr lang="en-US" sz="1600" dirty="0" smtClean="0"/>
+            </a:br>
+            <a:r>
+              <a:rPr lang="en-US" sz="1600" dirty="0" smtClean="0"/>
+              <a:t>.</a:t>
+            </a:r>
+            <a:r>
+              <a:rPr lang="en-US" sz="1600" dirty="0" err="1" smtClean="0"/>
+              <a:t>empTable</a:t>
+            </a:r>
+            <a:r>
+              <a:rPr lang="en-US" sz="1600" dirty="0" smtClean="0"/>
+              <a:t> </a:t>
+            </a:r>
+            <a:r>
+              <a:rPr lang="en-US" sz="1600" dirty="0" err="1" smtClean="0"/>
+              <a:t>col</a:t>
+            </a:r>
+            <a:r>
+              <a:rPr lang="en-US" sz="1600" dirty="0" smtClean="0"/>
+              <a:t> {</a:t>
+            </a:r>
+          </a:p>
+          <a:p>
+            <a:pPr algn="l"/>
+            <a:r>
+              <a:rPr lang="en-US" sz="1600" dirty="0" smtClean="0"/>
+              <a:t>  border: 1px solid #</a:t>
+            </a:r>
+            <a:r>
+              <a:rPr lang="en-US" sz="1600" dirty="0" err="1" smtClean="0"/>
+              <a:t>ddd</a:t>
+            </a:r>
+            <a:r>
+              <a:rPr lang="en-US" sz="1600" dirty="0" smtClean="0"/>
+              <a:t>;</a:t>
+            </a:r>
+          </a:p>
+          <a:p>
+            <a:pPr algn="l"/>
+            <a:r>
+              <a:rPr lang="en-US" sz="1600" dirty="0" smtClean="0"/>
+              <a:t>  padding: 8px;</a:t>
+            </a:r>
+          </a:p>
+          <a:p>
+            <a:pPr algn="l"/>
+            <a:r>
+              <a:rPr lang="en-US" sz="1600" dirty="0" smtClean="0"/>
+              <a:t>}</a:t>
+            </a:r>
+          </a:p>
+          <a:p>
+            <a:pPr algn="l"/>
+            <a:r>
+              <a:rPr lang="en-US" sz="1600" dirty="0" smtClean="0"/>
+              <a:t/>
+            </a:r>
+            <a:br>
+              <a:rPr lang="en-US" sz="1600" dirty="0" smtClean="0"/>
+            </a:br>
+            <a:r>
+              <a:rPr lang="en-US" sz="1600" dirty="0" smtClean="0"/>
+              <a:t>.</a:t>
+            </a:r>
+            <a:r>
+              <a:rPr lang="en-US" sz="1600" dirty="0" err="1" smtClean="0"/>
+              <a:t>empTable</a:t>
+            </a:r>
+            <a:r>
+              <a:rPr lang="en-US" sz="1600" dirty="0" smtClean="0"/>
+              <a:t> </a:t>
+            </a:r>
+            <a:r>
+              <a:rPr lang="en-US" sz="1600" dirty="0" err="1" smtClean="0"/>
+              <a:t>tr:nth</a:t>
+            </a:r>
+            <a:r>
+              <a:rPr lang="en-US" sz="1600" dirty="0" smtClean="0"/>
+              <a:t>-child(even){background-color: #f2f2f2;}</a:t>
+            </a:r>
+          </a:p>
+          <a:p>
+            <a:pPr algn="l"/>
+            <a:r>
+              <a:rPr lang="en-US" sz="1600" dirty="0" smtClean="0"/>
+              <a:t/>
+            </a:r>
+            <a:br>
+              <a:rPr lang="en-US" sz="1600" dirty="0" smtClean="0"/>
+            </a:br>
+            <a:r>
+              <a:rPr lang="en-US" sz="1600" dirty="0" smtClean="0"/>
+              <a:t>.</a:t>
+            </a:r>
+            <a:r>
+              <a:rPr lang="en-US" sz="1600" dirty="0" err="1" smtClean="0"/>
+              <a:t>empTable</a:t>
+            </a:r>
+            <a:r>
+              <a:rPr lang="en-US" sz="1600" dirty="0" smtClean="0"/>
+              <a:t> </a:t>
+            </a:r>
+            <a:r>
+              <a:rPr lang="en-US" sz="1600" dirty="0" err="1" smtClean="0"/>
+              <a:t>tr:hover</a:t>
+            </a:r>
+            <a:r>
+              <a:rPr lang="en-US" sz="1600" dirty="0" smtClean="0"/>
+              <a:t> {background-color: #</a:t>
+            </a:r>
+            <a:r>
+              <a:rPr lang="en-US" sz="1600" dirty="0" err="1" smtClean="0"/>
+              <a:t>ddd</a:t>
+            </a:r>
+            <a:r>
+              <a:rPr lang="en-US" sz="1600" dirty="0" smtClean="0"/>
+              <a:t>;}</a:t>
+            </a:r>
+          </a:p>
+          <a:p>
+            <a:pPr algn="l"/>
+            <a:r>
+              <a:rPr lang="en-US" sz="1600" dirty="0" smtClean="0"/>
+              <a:t/>
+            </a:r>
+            <a:br>
+              <a:rPr lang="en-US" sz="1600" dirty="0" smtClean="0"/>
+            </a:br>
+            <a:r>
+              <a:rPr lang="en-US" sz="1600" dirty="0" smtClean="0"/>
+              <a:t>.</a:t>
+            </a:r>
+            <a:r>
+              <a:rPr lang="en-US" sz="1600" dirty="0" err="1" smtClean="0"/>
+              <a:t>empTable</a:t>
+            </a:r>
+            <a:r>
+              <a:rPr lang="en-US" sz="1600" dirty="0" smtClean="0"/>
+              <a:t> .header {</a:t>
+            </a:r>
+          </a:p>
+          <a:p>
+            <a:pPr algn="l"/>
+            <a:r>
+              <a:rPr lang="en-US" sz="1600" dirty="0" smtClean="0"/>
+              <a:t>  padding-top: 12px;</a:t>
+            </a:r>
+          </a:p>
+          <a:p>
+            <a:pPr algn="l"/>
+            <a:r>
+              <a:rPr lang="en-US" sz="1600" dirty="0" smtClean="0"/>
+              <a:t>  padding-bottom: 12px;</a:t>
+            </a:r>
+          </a:p>
+          <a:p>
+            <a:pPr algn="l"/>
+            <a:r>
+              <a:rPr lang="en-US" sz="1600" dirty="0" smtClean="0"/>
+              <a:t>  text-align: left;</a:t>
+            </a:r>
+          </a:p>
+          <a:p>
+            <a:pPr algn="l"/>
+            <a:r>
+              <a:rPr lang="en-US" sz="1600" dirty="0" smtClean="0"/>
+              <a:t>  background-color: #04AA6D;</a:t>
+            </a:r>
+          </a:p>
+          <a:p>
+            <a:pPr algn="l"/>
+            <a:r>
+              <a:rPr lang="en-US" sz="1600" dirty="0" smtClean="0"/>
+              <a:t>  color: white;</a:t>
+            </a:r>
+          </a:p>
+          <a:p>
+            <a:pPr algn="l"/>
+            <a:r>
+              <a:rPr lang="en-US" sz="1600" dirty="0" smtClean="0"/>
+              <a:t>}</a:t>
+            </a:r>
+          </a:p>
+          <a:p>
+            <a:pPr algn="l"/>
+            <a:r>
+              <a:rPr lang="en-US" sz="1600" dirty="0" smtClean="0"/>
+              <a:t/>
+            </a:r>
+            <a:br>
+              <a:rPr lang="en-US" sz="1600" dirty="0" smtClean="0"/>
+            </a:br>
+            <a:r>
+              <a:rPr lang="en-US" sz="1600" dirty="0" smtClean="0"/>
+              <a:t>  </a:t>
+            </a:r>
+          </a:p>
+          <a:p>
+            <a:pPr algn="l"/>
+            <a:r>
+              <a:rPr lang="en-US" sz="1600" dirty="0" smtClean="0"/>
+              <a:t/>
+            </a:r>
+            <a:br>
+              <a:rPr lang="en-US" sz="1600" dirty="0" smtClean="0"/>
+            </a:br>
+            <a:endParaRPr lang="en-US" sz="1600" dirty="0" smtClean="0"/>
+          </a:p>
           <a:p>
             <a:pPr algn="l"/>
             <a:endParaRPr lang="en-US" sz="1600" dirty="0">
